--- a/BIOE5100_finalproj_spr25.pptx
+++ b/BIOE5100_finalproj_spr25.pptx
@@ -5,13 +5,14 @@
     <p:sldMasterId id="2147483648" r:id="rId1"/>
   </p:sldMasterIdLst>
   <p:notesMasterIdLst>
-    <p:notesMasterId r:id="rId6"/>
+    <p:notesMasterId r:id="rId7"/>
   </p:notesMasterIdLst>
   <p:sldIdLst>
     <p:sldId id="256" r:id="rId2"/>
     <p:sldId id="257" r:id="rId3"/>
     <p:sldId id="258" r:id="rId4"/>
     <p:sldId id="259" r:id="rId5"/>
+    <p:sldId id="260" r:id="rId6"/>
   </p:sldIdLst>
   <p:sldSz cx="12192000" cy="6858000"/>
   <p:notesSz cx="6858000" cy="9144000"/>
@@ -110,7 +111,341 @@
       </a:defRPr>
     </a:lvl9pPr>
   </p:defaultTextStyle>
+  <p:extLst>
+    <p:ext uri="{EFAFB233-063F-42B5-8137-9DF3F51BA10A}">
+      <p15:sldGuideLst xmlns:p15="http://schemas.microsoft.com/office/powerpoint/2012/main"/>
+    </p:ext>
+  </p:extLst>
 </p:presentation>
+</file>
+
+<file path=ppt/revisionInfo.xml><?xml version="1.0" encoding="utf-8"?>
+<p1510:revInfo xmlns:a="http://schemas.openxmlformats.org/drawingml/2006/main" xmlns:r="http://schemas.openxmlformats.org/officeDocument/2006/relationships" xmlns:p1510="http://schemas.microsoft.com/office/powerpoint/2015/10/main">
+  <p1510:revLst>
+    <p1510:client id="{92CB820A-12D0-42B2-9B40-3641CD54FA7E}" v="52" dt="2025-05-01T21:56:28.983"/>
+  </p1510:revLst>
+</p1510:revInfo>
+</file>
+
+<file path=ppt/changesInfos/changesInfo1.xml><?xml version="1.0" encoding="utf-8"?>
+<pc:chgInfo xmlns:a="http://schemas.openxmlformats.org/drawingml/2006/main" xmlns:r="http://schemas.openxmlformats.org/officeDocument/2006/relationships" xmlns:ac="http://schemas.microsoft.com/office/drawing/2013/main/command" xmlns:pc="http://schemas.microsoft.com/office/powerpoint/2013/main/command">
+  <pc:docChgLst>
+    <pc:chgData name="Suarez, Skylar" userId="07529912-540e-4881-b69e-f936e48f9be2" providerId="ADAL" clId="{92CB820A-12D0-42B2-9B40-3641CD54FA7E}"/>
+    <pc:docChg chg="undo custSel addSld modSld">
+      <pc:chgData name="Suarez, Skylar" userId="07529912-540e-4881-b69e-f936e48f9be2" providerId="ADAL" clId="{92CB820A-12D0-42B2-9B40-3641CD54FA7E}" dt="2025-05-02T17:39:39.882" v="1141" actId="962"/>
+      <pc:docMkLst>
+        <pc:docMk/>
+      </pc:docMkLst>
+      <pc:sldChg chg="modSp mod">
+        <pc:chgData name="Suarez, Skylar" userId="07529912-540e-4881-b69e-f936e48f9be2" providerId="ADAL" clId="{92CB820A-12D0-42B2-9B40-3641CD54FA7E}" dt="2025-05-01T20:21:56.802" v="55" actId="20577"/>
+        <pc:sldMkLst>
+          <pc:docMk/>
+          <pc:sldMk cId="726445236" sldId="256"/>
+        </pc:sldMkLst>
+        <pc:spChg chg="mod">
+          <ac:chgData name="Suarez, Skylar" userId="07529912-540e-4881-b69e-f936e48f9be2" providerId="ADAL" clId="{92CB820A-12D0-42B2-9B40-3641CD54FA7E}" dt="2025-05-01T20:21:56.802" v="55" actId="20577"/>
+          <ac:spMkLst>
+            <pc:docMk/>
+            <pc:sldMk cId="726445236" sldId="256"/>
+            <ac:spMk id="2" creationId="{BB14CCE5-13C4-B0C4-AA4C-08A88F241F16}"/>
+          </ac:spMkLst>
+        </pc:spChg>
+      </pc:sldChg>
+      <pc:sldChg chg="addSp modSp mod modAnim modNotesTx">
+        <pc:chgData name="Suarez, Skylar" userId="07529912-540e-4881-b69e-f936e48f9be2" providerId="ADAL" clId="{92CB820A-12D0-42B2-9B40-3641CD54FA7E}" dt="2025-05-01T21:55:57.425" v="1132"/>
+        <pc:sldMkLst>
+          <pc:docMk/>
+          <pc:sldMk cId="3754350709" sldId="257"/>
+        </pc:sldMkLst>
+        <pc:spChg chg="mod">
+          <ac:chgData name="Suarez, Skylar" userId="07529912-540e-4881-b69e-f936e48f9be2" providerId="ADAL" clId="{92CB820A-12D0-42B2-9B40-3641CD54FA7E}" dt="2025-05-01T20:27:03.585" v="425" actId="1076"/>
+          <ac:spMkLst>
+            <pc:docMk/>
+            <pc:sldMk cId="3754350709" sldId="257"/>
+            <ac:spMk id="4" creationId="{4DD508A0-8B8D-28ED-9F79-877602891F58}"/>
+          </ac:spMkLst>
+        </pc:spChg>
+        <pc:spChg chg="mod">
+          <ac:chgData name="Suarez, Skylar" userId="07529912-540e-4881-b69e-f936e48f9be2" providerId="ADAL" clId="{92CB820A-12D0-42B2-9B40-3641CD54FA7E}" dt="2025-05-01T20:27:03.585" v="425" actId="1076"/>
+          <ac:spMkLst>
+            <pc:docMk/>
+            <pc:sldMk cId="3754350709" sldId="257"/>
+            <ac:spMk id="5" creationId="{89A42924-7AC9-A40F-A9C9-6FC2B3BAD730}"/>
+          </ac:spMkLst>
+        </pc:spChg>
+        <pc:spChg chg="mod">
+          <ac:chgData name="Suarez, Skylar" userId="07529912-540e-4881-b69e-f936e48f9be2" providerId="ADAL" clId="{92CB820A-12D0-42B2-9B40-3641CD54FA7E}" dt="2025-05-01T20:25:14.906" v="154" actId="1076"/>
+          <ac:spMkLst>
+            <pc:docMk/>
+            <pc:sldMk cId="3754350709" sldId="257"/>
+            <ac:spMk id="8" creationId="{AD2B4E11-CA04-6040-207D-A4708D116E4D}"/>
+          </ac:spMkLst>
+        </pc:spChg>
+        <pc:spChg chg="add mod">
+          <ac:chgData name="Suarez, Skylar" userId="07529912-540e-4881-b69e-f936e48f9be2" providerId="ADAL" clId="{92CB820A-12D0-42B2-9B40-3641CD54FA7E}" dt="2025-05-01T20:25:14.906" v="154" actId="1076"/>
+          <ac:spMkLst>
+            <pc:docMk/>
+            <pc:sldMk cId="3754350709" sldId="257"/>
+            <ac:spMk id="11" creationId="{5FDD9B99-16F0-BD72-7F62-5FB5157B3AB6}"/>
+          </ac:spMkLst>
+        </pc:spChg>
+        <pc:spChg chg="add mod">
+          <ac:chgData name="Suarez, Skylar" userId="07529912-540e-4881-b69e-f936e48f9be2" providerId="ADAL" clId="{92CB820A-12D0-42B2-9B40-3641CD54FA7E}" dt="2025-05-01T20:21:16.937" v="54" actId="242"/>
+          <ac:spMkLst>
+            <pc:docMk/>
+            <pc:sldMk cId="3754350709" sldId="257"/>
+            <ac:spMk id="12" creationId="{C453BDAE-25AB-2D3F-F042-BD7378DC4A10}"/>
+          </ac:spMkLst>
+        </pc:spChg>
+        <pc:spChg chg="add mod">
+          <ac:chgData name="Suarez, Skylar" userId="07529912-540e-4881-b69e-f936e48f9be2" providerId="ADAL" clId="{92CB820A-12D0-42B2-9B40-3641CD54FA7E}" dt="2025-05-01T20:27:13.271" v="426" actId="164"/>
+          <ac:spMkLst>
+            <pc:docMk/>
+            <pc:sldMk cId="3754350709" sldId="257"/>
+            <ac:spMk id="13" creationId="{502D806E-242C-2D66-90E8-53597E5B88DD}"/>
+          </ac:spMkLst>
+        </pc:spChg>
+        <pc:grpChg chg="add mod">
+          <ac:chgData name="Suarez, Skylar" userId="07529912-540e-4881-b69e-f936e48f9be2" providerId="ADAL" clId="{92CB820A-12D0-42B2-9B40-3641CD54FA7E}" dt="2025-05-01T20:27:03.585" v="425" actId="1076"/>
+          <ac:grpSpMkLst>
+            <pc:docMk/>
+            <pc:sldMk cId="3754350709" sldId="257"/>
+            <ac:grpSpMk id="2" creationId="{730C37ED-C268-098D-0147-A29E38F1FBF5}"/>
+          </ac:grpSpMkLst>
+        </pc:grpChg>
+        <pc:grpChg chg="add mod">
+          <ac:chgData name="Suarez, Skylar" userId="07529912-540e-4881-b69e-f936e48f9be2" providerId="ADAL" clId="{92CB820A-12D0-42B2-9B40-3641CD54FA7E}" dt="2025-05-01T20:25:14.906" v="154" actId="1076"/>
+          <ac:grpSpMkLst>
+            <pc:docMk/>
+            <pc:sldMk cId="3754350709" sldId="257"/>
+            <ac:grpSpMk id="6" creationId="{9620E9D1-D2BF-417B-BF4A-901E078E82A1}"/>
+          </ac:grpSpMkLst>
+        </pc:grpChg>
+        <pc:grpChg chg="add mod">
+          <ac:chgData name="Suarez, Skylar" userId="07529912-540e-4881-b69e-f936e48f9be2" providerId="ADAL" clId="{92CB820A-12D0-42B2-9B40-3641CD54FA7E}" dt="2025-05-01T20:27:13.271" v="426" actId="164"/>
+          <ac:grpSpMkLst>
+            <pc:docMk/>
+            <pc:sldMk cId="3754350709" sldId="257"/>
+            <ac:grpSpMk id="14" creationId="{7811230D-78B9-2404-2FFC-C15F4794AA82}"/>
+          </ac:grpSpMkLst>
+        </pc:grpChg>
+        <pc:grpChg chg="add mod">
+          <ac:chgData name="Suarez, Skylar" userId="07529912-540e-4881-b69e-f936e48f9be2" providerId="ADAL" clId="{92CB820A-12D0-42B2-9B40-3641CD54FA7E}" dt="2025-05-01T20:25:12.024" v="152" actId="164"/>
+          <ac:grpSpMkLst>
+            <pc:docMk/>
+            <pc:sldMk cId="3754350709" sldId="257"/>
+            <ac:grpSpMk id="15" creationId="{017DFDAA-9F52-311B-1B79-77403DC2200A}"/>
+          </ac:grpSpMkLst>
+        </pc:grpChg>
+        <pc:grpChg chg="add mod">
+          <ac:chgData name="Suarez, Skylar" userId="07529912-540e-4881-b69e-f936e48f9be2" providerId="ADAL" clId="{92CB820A-12D0-42B2-9B40-3641CD54FA7E}" dt="2025-05-01T20:27:13.271" v="426" actId="164"/>
+          <ac:grpSpMkLst>
+            <pc:docMk/>
+            <pc:sldMk cId="3754350709" sldId="257"/>
+            <ac:grpSpMk id="16" creationId="{B09D7733-D097-ADD3-1D7B-302F0335EB71}"/>
+          </ac:grpSpMkLst>
+        </pc:grpChg>
+        <pc:picChg chg="mod">
+          <ac:chgData name="Suarez, Skylar" userId="07529912-540e-4881-b69e-f936e48f9be2" providerId="ADAL" clId="{92CB820A-12D0-42B2-9B40-3641CD54FA7E}" dt="2025-05-01T20:27:03.585" v="425" actId="1076"/>
+          <ac:picMkLst>
+            <pc:docMk/>
+            <pc:sldMk cId="3754350709" sldId="257"/>
+            <ac:picMk id="3" creationId="{7921E5F2-4BD9-3EA6-C714-9CFE7D0F2EFA}"/>
+          </ac:picMkLst>
+        </pc:picChg>
+        <pc:picChg chg="mod">
+          <ac:chgData name="Suarez, Skylar" userId="07529912-540e-4881-b69e-f936e48f9be2" providerId="ADAL" clId="{92CB820A-12D0-42B2-9B40-3641CD54FA7E}" dt="2025-05-01T20:25:14.906" v="154" actId="1076"/>
+          <ac:picMkLst>
+            <pc:docMk/>
+            <pc:sldMk cId="3754350709" sldId="257"/>
+            <ac:picMk id="7" creationId="{48C633EA-F664-0F90-C897-F35E5D842816}"/>
+          </ac:picMkLst>
+        </pc:picChg>
+        <pc:picChg chg="add mod">
+          <ac:chgData name="Suarez, Skylar" userId="07529912-540e-4881-b69e-f936e48f9be2" providerId="ADAL" clId="{92CB820A-12D0-42B2-9B40-3641CD54FA7E}" dt="2025-05-01T20:25:14.906" v="154" actId="1076"/>
+          <ac:picMkLst>
+            <pc:docMk/>
+            <pc:sldMk cId="3754350709" sldId="257"/>
+            <ac:picMk id="9" creationId="{C9D6A624-B876-8EB6-C5B4-6FB0C4F69334}"/>
+          </ac:picMkLst>
+        </pc:picChg>
+        <pc:picChg chg="add mod">
+          <ac:chgData name="Suarez, Skylar" userId="07529912-540e-4881-b69e-f936e48f9be2" providerId="ADAL" clId="{92CB820A-12D0-42B2-9B40-3641CD54FA7E}" dt="2025-05-01T20:25:14.906" v="154" actId="1076"/>
+          <ac:picMkLst>
+            <pc:docMk/>
+            <pc:sldMk cId="3754350709" sldId="257"/>
+            <ac:picMk id="10" creationId="{FD3D41C4-EACC-6987-5DCF-5839A730A563}"/>
+          </ac:picMkLst>
+        </pc:picChg>
+      </pc:sldChg>
+      <pc:sldChg chg="addSp modSp mod modAnim">
+        <pc:chgData name="Suarez, Skylar" userId="07529912-540e-4881-b69e-f936e48f9be2" providerId="ADAL" clId="{92CB820A-12D0-42B2-9B40-3641CD54FA7E}" dt="2025-05-01T21:56:07.768" v="1133"/>
+        <pc:sldMkLst>
+          <pc:docMk/>
+          <pc:sldMk cId="3625391513" sldId="258"/>
+        </pc:sldMkLst>
+        <pc:spChg chg="mod">
+          <ac:chgData name="Suarez, Skylar" userId="07529912-540e-4881-b69e-f936e48f9be2" providerId="ADAL" clId="{92CB820A-12D0-42B2-9B40-3641CD54FA7E}" dt="2025-05-01T20:27:36.662" v="430" actId="20577"/>
+          <ac:spMkLst>
+            <pc:docMk/>
+            <pc:sldMk cId="3625391513" sldId="258"/>
+            <ac:spMk id="2" creationId="{E49CCA21-3C05-4082-4E7F-BC1C2ECD4EE3}"/>
+          </ac:spMkLst>
+        </pc:spChg>
+        <pc:spChg chg="add mod">
+          <ac:chgData name="Suarez, Skylar" userId="07529912-540e-4881-b69e-f936e48f9be2" providerId="ADAL" clId="{92CB820A-12D0-42B2-9B40-3641CD54FA7E}" dt="2025-05-01T21:52:31.767" v="862" actId="164"/>
+          <ac:spMkLst>
+            <pc:docMk/>
+            <pc:sldMk cId="3625391513" sldId="258"/>
+            <ac:spMk id="3" creationId="{134E32A6-57A9-42E3-7F3E-17273EDA4720}"/>
+          </ac:spMkLst>
+        </pc:spChg>
+        <pc:spChg chg="add mod">
+          <ac:chgData name="Suarez, Skylar" userId="07529912-540e-4881-b69e-f936e48f9be2" providerId="ADAL" clId="{92CB820A-12D0-42B2-9B40-3641CD54FA7E}" dt="2025-05-01T21:52:09.073" v="861" actId="1076"/>
+          <ac:spMkLst>
+            <pc:docMk/>
+            <pc:sldMk cId="3625391513" sldId="258"/>
+            <ac:spMk id="4" creationId="{E65EE3B7-14AD-40D3-AE2C-84E1EFE94FD8}"/>
+          </ac:spMkLst>
+        </pc:spChg>
+        <pc:spChg chg="mod">
+          <ac:chgData name="Suarez, Skylar" userId="07529912-540e-4881-b69e-f936e48f9be2" providerId="ADAL" clId="{92CB820A-12D0-42B2-9B40-3641CD54FA7E}" dt="2025-05-01T21:52:09.073" v="861" actId="1076"/>
+          <ac:spMkLst>
+            <pc:docMk/>
+            <pc:sldMk cId="3625391513" sldId="258"/>
+            <ac:spMk id="9" creationId="{EC34C89E-E44A-A434-4721-452C13BC266C}"/>
+          </ac:spMkLst>
+        </pc:spChg>
+        <pc:spChg chg="mod">
+          <ac:chgData name="Suarez, Skylar" userId="07529912-540e-4881-b69e-f936e48f9be2" providerId="ADAL" clId="{92CB820A-12D0-42B2-9B40-3641CD54FA7E}" dt="2025-05-01T21:52:42.650" v="887" actId="1037"/>
+          <ac:spMkLst>
+            <pc:docMk/>
+            <pc:sldMk cId="3625391513" sldId="258"/>
+            <ac:spMk id="10" creationId="{604C9354-F14B-C53D-99DE-8997F45FF80F}"/>
+          </ac:spMkLst>
+        </pc:spChg>
+        <pc:spChg chg="add mod">
+          <ac:chgData name="Suarez, Skylar" userId="07529912-540e-4881-b69e-f936e48f9be2" providerId="ADAL" clId="{92CB820A-12D0-42B2-9B40-3641CD54FA7E}" dt="2025-05-01T21:52:31.767" v="862" actId="164"/>
+          <ac:spMkLst>
+            <pc:docMk/>
+            <pc:sldMk cId="3625391513" sldId="258"/>
+            <ac:spMk id="11" creationId="{04D3AD18-E274-49EB-F4B1-B54278EE6972}"/>
+          </ac:spMkLst>
+        </pc:spChg>
+        <pc:grpChg chg="mod">
+          <ac:chgData name="Suarez, Skylar" userId="07529912-540e-4881-b69e-f936e48f9be2" providerId="ADAL" clId="{92CB820A-12D0-42B2-9B40-3641CD54FA7E}" dt="2025-05-01T21:52:09.073" v="861" actId="1076"/>
+          <ac:grpSpMkLst>
+            <pc:docMk/>
+            <pc:sldMk cId="3625391513" sldId="258"/>
+            <ac:grpSpMk id="8" creationId="{0FECEABD-3BCC-462C-413A-B309FD02C588}"/>
+          </ac:grpSpMkLst>
+        </pc:grpChg>
+        <pc:grpChg chg="add mod">
+          <ac:chgData name="Suarez, Skylar" userId="07529912-540e-4881-b69e-f936e48f9be2" providerId="ADAL" clId="{92CB820A-12D0-42B2-9B40-3641CD54FA7E}" dt="2025-05-01T21:52:31.767" v="862" actId="164"/>
+          <ac:grpSpMkLst>
+            <pc:docMk/>
+            <pc:sldMk cId="3625391513" sldId="258"/>
+            <ac:grpSpMk id="12" creationId="{8775F7D7-ED49-7129-4AE6-989C89A4D807}"/>
+          </ac:grpSpMkLst>
+        </pc:grpChg>
+        <pc:picChg chg="mod">
+          <ac:chgData name="Suarez, Skylar" userId="07529912-540e-4881-b69e-f936e48f9be2" providerId="ADAL" clId="{92CB820A-12D0-42B2-9B40-3641CD54FA7E}" dt="2025-05-01T21:52:42.650" v="887" actId="1037"/>
+          <ac:picMkLst>
+            <pc:docMk/>
+            <pc:sldMk cId="3625391513" sldId="258"/>
+            <ac:picMk id="7" creationId="{0E326DE1-E788-F253-C494-C5D8F6C86781}"/>
+          </ac:picMkLst>
+        </pc:picChg>
+      </pc:sldChg>
+      <pc:sldChg chg="addSp delSp modSp mod modAnim modNotesTx">
+        <pc:chgData name="Suarez, Skylar" userId="07529912-540e-4881-b69e-f936e48f9be2" providerId="ADAL" clId="{92CB820A-12D0-42B2-9B40-3641CD54FA7E}" dt="2025-05-01T21:56:28.983" v="1135"/>
+        <pc:sldMkLst>
+          <pc:docMk/>
+          <pc:sldMk cId="3196094291" sldId="259"/>
+        </pc:sldMkLst>
+        <pc:spChg chg="add mod">
+          <ac:chgData name="Suarez, Skylar" userId="07529912-540e-4881-b69e-f936e48f9be2" providerId="ADAL" clId="{92CB820A-12D0-42B2-9B40-3641CD54FA7E}" dt="2025-05-01T21:55:33.779" v="1131" actId="1076"/>
+          <ac:spMkLst>
+            <pc:docMk/>
+            <pc:sldMk cId="3196094291" sldId="259"/>
+            <ac:spMk id="4" creationId="{C80E03EA-9BCC-F8F1-3DB0-82FED9487DC5}"/>
+          </ac:spMkLst>
+        </pc:spChg>
+        <pc:picChg chg="mod">
+          <ac:chgData name="Suarez, Skylar" userId="07529912-540e-4881-b69e-f936e48f9be2" providerId="ADAL" clId="{92CB820A-12D0-42B2-9B40-3641CD54FA7E}" dt="2025-05-01T21:53:31.720" v="894" actId="1076"/>
+          <ac:picMkLst>
+            <pc:docMk/>
+            <pc:sldMk cId="3196094291" sldId="259"/>
+            <ac:picMk id="3" creationId="{46E0DD41-6AB5-FAD0-033C-C7F06DE04EAD}"/>
+          </ac:picMkLst>
+        </pc:picChg>
+        <pc:picChg chg="mod">
+          <ac:chgData name="Suarez, Skylar" userId="07529912-540e-4881-b69e-f936e48f9be2" providerId="ADAL" clId="{92CB820A-12D0-42B2-9B40-3641CD54FA7E}" dt="2025-05-01T21:53:31.720" v="894" actId="1076"/>
+          <ac:picMkLst>
+            <pc:docMk/>
+            <pc:sldMk cId="3196094291" sldId="259"/>
+            <ac:picMk id="5" creationId="{20BF4FDF-BC1C-F07D-CBDC-278D80FFFDD6}"/>
+          </ac:picMkLst>
+        </pc:picChg>
+        <pc:picChg chg="del">
+          <ac:chgData name="Suarez, Skylar" userId="07529912-540e-4881-b69e-f936e48f9be2" providerId="ADAL" clId="{92CB820A-12D0-42B2-9B40-3641CD54FA7E}" dt="2025-05-01T21:53:04.125" v="889" actId="478"/>
+          <ac:picMkLst>
+            <pc:docMk/>
+            <pc:sldMk cId="3196094291" sldId="259"/>
+            <ac:picMk id="6" creationId="{B79FCC07-63CF-821C-2C38-1C403685342A}"/>
+          </ac:picMkLst>
+        </pc:picChg>
+      </pc:sldChg>
+      <pc:sldChg chg="addSp delSp modSp new mod setBg">
+        <pc:chgData name="Suarez, Skylar" userId="07529912-540e-4881-b69e-f936e48f9be2" providerId="ADAL" clId="{92CB820A-12D0-42B2-9B40-3641CD54FA7E}" dt="2025-05-02T17:39:39.882" v="1141" actId="962"/>
+        <pc:sldMkLst>
+          <pc:docMk/>
+          <pc:sldMk cId="1306262326" sldId="260"/>
+        </pc:sldMkLst>
+        <pc:spChg chg="add del">
+          <ac:chgData name="Suarez, Skylar" userId="07529912-540e-4881-b69e-f936e48f9be2" providerId="ADAL" clId="{92CB820A-12D0-42B2-9B40-3641CD54FA7E}" dt="2025-05-02T17:39:39.010" v="1139" actId="26606"/>
+          <ac:spMkLst>
+            <pc:docMk/>
+            <pc:sldMk cId="1306262326" sldId="260"/>
+            <ac:spMk id="8" creationId="{AB8C311F-7253-4AED-9701-7FC0708C41C7}"/>
+          </ac:spMkLst>
+        </pc:spChg>
+        <pc:spChg chg="add del">
+          <ac:chgData name="Suarez, Skylar" userId="07529912-540e-4881-b69e-f936e48f9be2" providerId="ADAL" clId="{92CB820A-12D0-42B2-9B40-3641CD54FA7E}" dt="2025-05-02T17:39:39.010" v="1139" actId="26606"/>
+          <ac:spMkLst>
+            <pc:docMk/>
+            <pc:sldMk cId="1306262326" sldId="260"/>
+            <ac:spMk id="10" creationId="{E2384209-CB15-4CDF-9D31-C44FD9A3F20D}"/>
+          </ac:spMkLst>
+        </pc:spChg>
+        <pc:spChg chg="add del">
+          <ac:chgData name="Suarez, Skylar" userId="07529912-540e-4881-b69e-f936e48f9be2" providerId="ADAL" clId="{92CB820A-12D0-42B2-9B40-3641CD54FA7E}" dt="2025-05-02T17:39:39.010" v="1139" actId="26606"/>
+          <ac:spMkLst>
+            <pc:docMk/>
+            <pc:sldMk cId="1306262326" sldId="260"/>
+            <ac:spMk id="12" creationId="{2633B3B5-CC90-43F0-8714-D31D1F3F0209}"/>
+          </ac:spMkLst>
+        </pc:spChg>
+        <pc:spChg chg="add del">
+          <ac:chgData name="Suarez, Skylar" userId="07529912-540e-4881-b69e-f936e48f9be2" providerId="ADAL" clId="{92CB820A-12D0-42B2-9B40-3641CD54FA7E}" dt="2025-05-02T17:39:39.010" v="1139" actId="26606"/>
+          <ac:spMkLst>
+            <pc:docMk/>
+            <pc:sldMk cId="1306262326" sldId="260"/>
+            <ac:spMk id="14" creationId="{A8D57A06-A426-446D-B02C-A2DC6B62E45E}"/>
+          </ac:spMkLst>
+        </pc:spChg>
+        <pc:picChg chg="add mod">
+          <ac:chgData name="Suarez, Skylar" userId="07529912-540e-4881-b69e-f936e48f9be2" providerId="ADAL" clId="{92CB820A-12D0-42B2-9B40-3641CD54FA7E}" dt="2025-05-02T17:39:39.882" v="1141" actId="962"/>
+          <ac:picMkLst>
+            <pc:docMk/>
+            <pc:sldMk cId="1306262326" sldId="260"/>
+            <ac:picMk id="3" creationId="{B2FB8105-B6C0-A378-B4BF-D11B8C83BE4E}"/>
+          </ac:picMkLst>
+        </pc:picChg>
+      </pc:sldChg>
+    </pc:docChg>
+  </pc:docChgLst>
+</pc:chgInfo>
 </file>
 
 <file path=ppt/notesMasters/notesMaster1.xml><?xml version="1.0" encoding="utf-8"?>
@@ -195,7 +530,7 @@
           <a:p>
             <a:fld id="{F0C73C4F-74E2-4F03-BAC5-6FC46CCDFE66}" type="datetimeFigureOut">
               <a:rPr lang="en-US" smtClean="0"/>
-              <a:t>5/1/2025</a:t>
+              <a:t>5/2/2025</a:t>
             </a:fld>
             <a:endParaRPr lang="en-US"/>
           </a:p>
@@ -520,21 +855,6 @@
           <a:p>
             <a:endParaRPr lang="en-US" dirty="0"/>
           </a:p>
-          <a:p>
-            <a:r>
-              <a:rPr lang="en-US" dirty="0"/>
-              <a:t>My job is to come up with a way to image these plaques without any external dyes or stains.</a:t>
-            </a:r>
-          </a:p>
-          <a:p>
-            <a:r>
-              <a:rPr lang="en-US" dirty="0"/>
-              <a:t>I was moderately successful by using excitation of near-UV wavelengths.</a:t>
-            </a:r>
-          </a:p>
-          <a:p>
-            <a:endParaRPr lang="en-US" dirty="0"/>
-          </a:p>
         </p:txBody>
       </p:sp>
       <p:sp>
@@ -748,18 +1068,6 @@
           <a:bodyPr/>
           <a:lstStyle/>
           <a:p>
-            <a:r>
-              <a:rPr lang="en-US" dirty="0"/>
-              <a:t>This image is an example of our control: the same hippocampus region, but of a C57 wildtype mouse without AD, taken with the same microscope and under the same conditions as the AB images from before. </a:t>
-            </a:r>
-          </a:p>
-          <a:p>
-            <a:r>
-              <a:rPr lang="en-US" dirty="0"/>
-              <a:t>No blobs. </a:t>
-            </a:r>
-          </a:p>
-          <a:p>
             <a:endParaRPr lang="en-US" dirty="0"/>
           </a:p>
           <a:p>
@@ -777,6 +1085,10 @@
             </a:r>
           </a:p>
           <a:p>
+            <a:pPr marL="171450" indent="-171450">
+              <a:buFont typeface="Arial" panose="020B0604020202020204" pitchFamily="34" charset="0"/>
+              <a:buChar char="•"/>
+            </a:pPr>
             <a:r>
               <a:rPr lang="en-US" dirty="0"/>
               <a:t>Also, the images are all different sizes.</a:t>
@@ -973,7 +1285,7 @@
           <a:p>
             <a:fld id="{59ED140B-85F4-40B5-BAFD-9DC89B4241A6}" type="datetimeFigureOut">
               <a:rPr lang="en-US" smtClean="0"/>
-              <a:t>5/1/2025</a:t>
+              <a:t>5/2/2025</a:t>
             </a:fld>
             <a:endParaRPr lang="en-US"/>
           </a:p>
@@ -1171,7 +1483,7 @@
           <a:p>
             <a:fld id="{59ED140B-85F4-40B5-BAFD-9DC89B4241A6}" type="datetimeFigureOut">
               <a:rPr lang="en-US" smtClean="0"/>
-              <a:t>5/1/2025</a:t>
+              <a:t>5/2/2025</a:t>
             </a:fld>
             <a:endParaRPr lang="en-US"/>
           </a:p>
@@ -1379,7 +1691,7 @@
           <a:p>
             <a:fld id="{59ED140B-85F4-40B5-BAFD-9DC89B4241A6}" type="datetimeFigureOut">
               <a:rPr lang="en-US" smtClean="0"/>
-              <a:t>5/1/2025</a:t>
+              <a:t>5/2/2025</a:t>
             </a:fld>
             <a:endParaRPr lang="en-US"/>
           </a:p>
@@ -1577,7 +1889,7 @@
           <a:p>
             <a:fld id="{59ED140B-85F4-40B5-BAFD-9DC89B4241A6}" type="datetimeFigureOut">
               <a:rPr lang="en-US" smtClean="0"/>
-              <a:t>5/1/2025</a:t>
+              <a:t>5/2/2025</a:t>
             </a:fld>
             <a:endParaRPr lang="en-US"/>
           </a:p>
@@ -1852,7 +2164,7 @@
           <a:p>
             <a:fld id="{59ED140B-85F4-40B5-BAFD-9DC89B4241A6}" type="datetimeFigureOut">
               <a:rPr lang="en-US" smtClean="0"/>
-              <a:t>5/1/2025</a:t>
+              <a:t>5/2/2025</a:t>
             </a:fld>
             <a:endParaRPr lang="en-US"/>
           </a:p>
@@ -2117,7 +2429,7 @@
           <a:p>
             <a:fld id="{59ED140B-85F4-40B5-BAFD-9DC89B4241A6}" type="datetimeFigureOut">
               <a:rPr lang="en-US" smtClean="0"/>
-              <a:t>5/1/2025</a:t>
+              <a:t>5/2/2025</a:t>
             </a:fld>
             <a:endParaRPr lang="en-US"/>
           </a:p>
@@ -2529,7 +2841,7 @@
           <a:p>
             <a:fld id="{59ED140B-85F4-40B5-BAFD-9DC89B4241A6}" type="datetimeFigureOut">
               <a:rPr lang="en-US" smtClean="0"/>
-              <a:t>5/1/2025</a:t>
+              <a:t>5/2/2025</a:t>
             </a:fld>
             <a:endParaRPr lang="en-US"/>
           </a:p>
@@ -2670,7 +2982,7 @@
           <a:p>
             <a:fld id="{59ED140B-85F4-40B5-BAFD-9DC89B4241A6}" type="datetimeFigureOut">
               <a:rPr lang="en-US" smtClean="0"/>
-              <a:t>5/1/2025</a:t>
+              <a:t>5/2/2025</a:t>
             </a:fld>
             <a:endParaRPr lang="en-US"/>
           </a:p>
@@ -2783,7 +3095,7 @@
           <a:p>
             <a:fld id="{59ED140B-85F4-40B5-BAFD-9DC89B4241A6}" type="datetimeFigureOut">
               <a:rPr lang="en-US" smtClean="0"/>
-              <a:t>5/1/2025</a:t>
+              <a:t>5/2/2025</a:t>
             </a:fld>
             <a:endParaRPr lang="en-US"/>
           </a:p>
@@ -3094,7 +3406,7 @@
           <a:p>
             <a:fld id="{59ED140B-85F4-40B5-BAFD-9DC89B4241A6}" type="datetimeFigureOut">
               <a:rPr lang="en-US" smtClean="0"/>
-              <a:t>5/1/2025</a:t>
+              <a:t>5/2/2025</a:t>
             </a:fld>
             <a:endParaRPr lang="en-US"/>
           </a:p>
@@ -3382,7 +3694,7 @@
           <a:p>
             <a:fld id="{59ED140B-85F4-40B5-BAFD-9DC89B4241A6}" type="datetimeFigureOut">
               <a:rPr lang="en-US" smtClean="0"/>
-              <a:t>5/1/2025</a:t>
+              <a:t>5/2/2025</a:t>
             </a:fld>
             <a:endParaRPr lang="en-US"/>
           </a:p>
@@ -3623,7 +3935,7 @@
           <a:p>
             <a:fld id="{59ED140B-85F4-40B5-BAFD-9DC89B4241A6}" type="datetimeFigureOut">
               <a:rPr lang="en-US" smtClean="0"/>
-              <a:t>5/1/2025</a:t>
+              <a:t>5/2/2025</a:t>
             </a:fld>
             <a:endParaRPr lang="en-US"/>
           </a:p>
@@ -4084,7 +4396,7 @@
             </a:r>
             <a:r>
               <a:rPr lang="en-US" dirty="0"/>
-              <a:t>?… That is the Question</a:t>
+              <a:t>?… That is the Question!</a:t>
             </a:r>
           </a:p>
         </p:txBody>
@@ -4153,6 +4465,719 @@
           <a:chExt cx="0" cy="0"/>
         </a:xfrm>
       </p:grpSpPr>
+      <p:grpSp>
+        <p:nvGrpSpPr>
+          <p:cNvPr id="2" name="Group 1">
+            <a:extLst>
+              <a:ext uri="{FF2B5EF4-FFF2-40B4-BE49-F238E27FC236}">
+                <a16:creationId xmlns:a16="http://schemas.microsoft.com/office/drawing/2014/main" id="{730C37ED-C268-098D-0147-A29E38F1FBF5}"/>
+              </a:ext>
+            </a:extLst>
+          </p:cNvPr>
+          <p:cNvGrpSpPr/>
+          <p:nvPr/>
+        </p:nvGrpSpPr>
+        <p:grpSpPr>
+          <a:xfrm>
+            <a:off x="485029" y="1521491"/>
+            <a:ext cx="6959345" cy="2701780"/>
+            <a:chOff x="2881077" y="14124801"/>
+            <a:chExt cx="7348233" cy="2885936"/>
+          </a:xfrm>
+        </p:grpSpPr>
+        <p:pic>
+          <p:nvPicPr>
+            <p:cNvPr id="3" name="Picture 2">
+              <a:extLst>
+                <a:ext uri="{FF2B5EF4-FFF2-40B4-BE49-F238E27FC236}">
+                  <a16:creationId xmlns:a16="http://schemas.microsoft.com/office/drawing/2014/main" id="{7921E5F2-4BD9-3EA6-C714-9CFE7D0F2EFA}"/>
+                </a:ext>
+              </a:extLst>
+            </p:cNvPr>
+            <p:cNvPicPr>
+              <a:picLocks noChangeAspect="1" noChangeArrowheads="1"/>
+            </p:cNvPicPr>
+            <p:nvPr/>
+          </p:nvPicPr>
+          <p:blipFill rotWithShape="1">
+            <a:blip r:embed="rId3">
+              <a:extLst>
+                <a:ext uri="{28A0092B-C50C-407E-A947-70E740481C1C}">
+                  <a14:useLocalDpi xmlns:a14="http://schemas.microsoft.com/office/drawing/2010/main" val="0"/>
+                </a:ext>
+              </a:extLst>
+            </a:blip>
+            <a:srcRect t="9435"/>
+            <a:stretch/>
+          </p:blipFill>
+          <p:spPr bwMode="auto">
+            <a:xfrm flipH="1">
+              <a:off x="2895600" y="14345727"/>
+              <a:ext cx="7333710" cy="2387516"/>
+            </a:xfrm>
+            <a:prstGeom prst="rect">
+              <a:avLst/>
+            </a:prstGeom>
+            <a:noFill/>
+            <a:extLst>
+              <a:ext uri="{909E8E84-426E-40DD-AFC4-6F175D3DCCD1}">
+                <a14:hiddenFill xmlns:a14="http://schemas.microsoft.com/office/drawing/2010/main">
+                  <a:solidFill>
+                    <a:srgbClr val="FFFFFF"/>
+                  </a:solidFill>
+                </a14:hiddenFill>
+              </a:ext>
+            </a:extLst>
+          </p:spPr>
+        </p:pic>
+        <p:sp>
+          <p:nvSpPr>
+            <p:cNvPr id="4" name="TextBox 3">
+              <a:extLst>
+                <a:ext uri="{FF2B5EF4-FFF2-40B4-BE49-F238E27FC236}">
+                  <a16:creationId xmlns:a16="http://schemas.microsoft.com/office/drawing/2014/main" id="{4DD508A0-8B8D-28ED-9F79-877602891F58}"/>
+                </a:ext>
+              </a:extLst>
+            </p:cNvPr>
+            <p:cNvSpPr txBox="1"/>
+            <p:nvPr/>
+          </p:nvSpPr>
+          <p:spPr>
+            <a:xfrm>
+              <a:off x="5806803" y="16731295"/>
+              <a:ext cx="1753497" cy="279442"/>
+            </a:xfrm>
+            <a:prstGeom prst="rect">
+              <a:avLst/>
+            </a:prstGeom>
+            <a:noFill/>
+          </p:spPr>
+          <p:txBody>
+            <a:bodyPr wrap="square">
+              <a:spAutoFit/>
+            </a:bodyPr>
+            <a:lstStyle/>
+            <a:p>
+              <a:pPr algn="ctr"/>
+              <a:r>
+                <a:rPr lang="en-US" sz="1100" dirty="0">
+                  <a:solidFill>
+                    <a:srgbClr val="6A6158"/>
+                  </a:solidFill>
+                </a:rPr>
+                <a:t>Taylor [1]</a:t>
+              </a:r>
+            </a:p>
+          </p:txBody>
+        </p:sp>
+        <p:sp>
+          <p:nvSpPr>
+            <p:cNvPr id="5" name="TextBox 4">
+              <a:extLst>
+                <a:ext uri="{FF2B5EF4-FFF2-40B4-BE49-F238E27FC236}">
+                  <a16:creationId xmlns:a16="http://schemas.microsoft.com/office/drawing/2014/main" id="{89A42924-7AC9-A40F-A9C9-6FC2B3BAD730}"/>
+                </a:ext>
+              </a:extLst>
+            </p:cNvPr>
+            <p:cNvSpPr txBox="1"/>
+            <p:nvPr/>
+          </p:nvSpPr>
+          <p:spPr>
+            <a:xfrm>
+              <a:off x="2881077" y="14124801"/>
+              <a:ext cx="6935759" cy="295880"/>
+            </a:xfrm>
+            <a:prstGeom prst="rect">
+              <a:avLst/>
+            </a:prstGeom>
+            <a:noFill/>
+          </p:spPr>
+          <p:txBody>
+            <a:bodyPr wrap="square">
+              <a:spAutoFit/>
+            </a:bodyPr>
+            <a:lstStyle/>
+            <a:p>
+              <a:r>
+                <a:rPr lang="en-US" sz="1200" dirty="0">
+                  <a:solidFill>
+                    <a:srgbClr val="000000"/>
+                  </a:solidFill>
+                </a:rPr>
+                <a:t>Monomeric Subunit         Protofilament           Amyloid Fibril                               Plaque</a:t>
+              </a:r>
+            </a:p>
+          </p:txBody>
+        </p:sp>
+      </p:grpSp>
+      <p:sp>
+        <p:nvSpPr>
+          <p:cNvPr id="12" name="Title 1">
+            <a:extLst>
+              <a:ext uri="{FF2B5EF4-FFF2-40B4-BE49-F238E27FC236}">
+                <a16:creationId xmlns:a16="http://schemas.microsoft.com/office/drawing/2014/main" id="{C453BDAE-25AB-2D3F-F042-BD7378DC4A10}"/>
+              </a:ext>
+            </a:extLst>
+          </p:cNvPr>
+          <p:cNvSpPr txBox="1">
+            <a:spLocks/>
+          </p:cNvSpPr>
+          <p:nvPr/>
+        </p:nvSpPr>
+        <p:spPr>
+          <a:xfrm>
+            <a:off x="362660" y="167516"/>
+            <a:ext cx="10515600" cy="1005301"/>
+          </a:xfrm>
+          <a:prstGeom prst="rect">
+            <a:avLst/>
+          </a:prstGeom>
+        </p:spPr>
+        <p:txBody>
+          <a:bodyPr anchor="ctr"/>
+          <a:lstStyle>
+            <a:lvl1pPr algn="l" defTabSz="914400" rtl="0" eaLnBrk="1" latinLnBrk="0" hangingPunct="1">
+              <a:lnSpc>
+                <a:spcPct val="90000"/>
+              </a:lnSpc>
+              <a:spcBef>
+                <a:spcPct val="0"/>
+              </a:spcBef>
+              <a:buNone/>
+              <a:defRPr sz="4400" kern="1200">
+                <a:solidFill>
+                  <a:schemeClr val="tx1"/>
+                </a:solidFill>
+                <a:latin typeface="+mj-lt"/>
+                <a:ea typeface="+mj-ea"/>
+                <a:cs typeface="+mj-cs"/>
+              </a:defRPr>
+            </a:lvl1pPr>
+          </a:lstStyle>
+          <a:p>
+            <a:r>
+              <a:rPr lang="en-US" dirty="0"/>
+              <a:t>Amyloid-</a:t>
+            </a:r>
+            <a:r>
+              <a:rPr lang="el-GR" dirty="0"/>
+              <a:t>β</a:t>
+            </a:r>
+            <a:r>
+              <a:rPr lang="en-US" dirty="0"/>
+              <a:t> (A</a:t>
+            </a:r>
+            <a:r>
+              <a:rPr lang="el-GR" dirty="0"/>
+              <a:t>β</a:t>
+            </a:r>
+            <a:r>
+              <a:rPr lang="en-US" dirty="0"/>
+              <a:t>)</a:t>
+            </a:r>
+          </a:p>
+        </p:txBody>
+      </p:sp>
+      <p:grpSp>
+        <p:nvGrpSpPr>
+          <p:cNvPr id="16" name="Group 15">
+            <a:extLst>
+              <a:ext uri="{FF2B5EF4-FFF2-40B4-BE49-F238E27FC236}">
+                <a16:creationId xmlns:a16="http://schemas.microsoft.com/office/drawing/2014/main" id="{B09D7733-D097-ADD3-1D7B-302F0335EB71}"/>
+              </a:ext>
+            </a:extLst>
+          </p:cNvPr>
+          <p:cNvGrpSpPr/>
+          <p:nvPr/>
+        </p:nvGrpSpPr>
+        <p:grpSpPr>
+          <a:xfrm>
+            <a:off x="485029" y="1077721"/>
+            <a:ext cx="11003752" cy="5436414"/>
+            <a:chOff x="485029" y="1077721"/>
+            <a:chExt cx="11003752" cy="5436414"/>
+          </a:xfrm>
+        </p:grpSpPr>
+        <p:grpSp>
+          <p:nvGrpSpPr>
+            <p:cNvPr id="14" name="Group 13">
+              <a:extLst>
+                <a:ext uri="{FF2B5EF4-FFF2-40B4-BE49-F238E27FC236}">
+                  <a16:creationId xmlns:a16="http://schemas.microsoft.com/office/drawing/2014/main" id="{7811230D-78B9-2404-2FFC-C15F4794AA82}"/>
+                </a:ext>
+              </a:extLst>
+            </p:cNvPr>
+            <p:cNvGrpSpPr/>
+            <p:nvPr/>
+          </p:nvGrpSpPr>
+          <p:grpSpPr>
+            <a:xfrm>
+              <a:off x="7301080" y="1077721"/>
+              <a:ext cx="4187701" cy="4877115"/>
+              <a:chOff x="7301080" y="1077721"/>
+              <a:chExt cx="4187701" cy="4877115"/>
+            </a:xfrm>
+          </p:grpSpPr>
+          <p:grpSp>
+            <p:nvGrpSpPr>
+              <p:cNvPr id="6" name="Group 5">
+                <a:extLst>
+                  <a:ext uri="{FF2B5EF4-FFF2-40B4-BE49-F238E27FC236}">
+                    <a16:creationId xmlns:a16="http://schemas.microsoft.com/office/drawing/2014/main" id="{9620E9D1-D2BF-417B-BF4A-901E078E82A1}"/>
+                  </a:ext>
+                </a:extLst>
+              </p:cNvPr>
+              <p:cNvGrpSpPr/>
+              <p:nvPr/>
+            </p:nvGrpSpPr>
+            <p:grpSpPr>
+              <a:xfrm>
+                <a:off x="8197419" y="1077721"/>
+                <a:ext cx="2598179" cy="2629837"/>
+                <a:chOff x="328958" y="14222311"/>
+                <a:chExt cx="2598179" cy="2629837"/>
+              </a:xfrm>
+            </p:grpSpPr>
+            <p:pic>
+              <p:nvPicPr>
+                <p:cNvPr id="7" name="Picture 6" descr="O Ø Bl &#10;diffuse plaque &#10;50 pm &#10;14 &#10;oligomers I protofibrils &#10;compact plaque &#10;50 pm &#10;fibrils &#10;classic cored plaque &#10;50 pm &#10;Proposal of Aß conformations in the different plaque types. A depicts the exemplary plaques from Fig. 2. B Based on our observations, we &#10;Fig. 6 &#10;propose the depicted composition of Aß conformations in the different plaque types. The symbols are used to indicate the hypothetical location, &#10;density, and mixture of Aß conformation in a simplified fashion ">
+                  <a:extLst>
+                    <a:ext uri="{FF2B5EF4-FFF2-40B4-BE49-F238E27FC236}">
+                      <a16:creationId xmlns:a16="http://schemas.microsoft.com/office/drawing/2014/main" id="{48C633EA-F664-0F90-C897-F35E5D842816}"/>
+                    </a:ext>
+                  </a:extLst>
+                </p:cNvPr>
+                <p:cNvPicPr>
+                  <a:picLocks noChangeAspect="1"/>
+                </p:cNvPicPr>
+                <p:nvPr/>
+              </p:nvPicPr>
+              <p:blipFill rotWithShape="1">
+                <a:blip r:embed="rId4" cstate="print">
+                  <a:extLst>
+                    <a:ext uri="{28A0092B-C50C-407E-A947-70E740481C1C}">
+                      <a14:useLocalDpi xmlns:a14="http://schemas.microsoft.com/office/drawing/2010/main" val="0"/>
+                    </a:ext>
+                  </a:extLst>
+                </a:blip>
+                <a:srcRect l="65963" t="5604" r="7457" b="53126"/>
+                <a:stretch/>
+              </p:blipFill>
+              <p:spPr bwMode="auto">
+                <a:xfrm>
+                  <a:off x="328958" y="14222311"/>
+                  <a:ext cx="2598179" cy="2392362"/>
+                </a:xfrm>
+                <a:prstGeom prst="rect">
+                  <a:avLst/>
+                </a:prstGeom>
+                <a:noFill/>
+                <a:ln>
+                  <a:noFill/>
+                </a:ln>
+                <a:extLst>
+                  <a:ext uri="{53640926-AAD7-44D8-BBD7-CCE9431645EC}">
+                    <a14:shadowObscured xmlns:a14="http://schemas.microsoft.com/office/drawing/2010/main"/>
+                  </a:ext>
+                </a:extLst>
+              </p:spPr>
+            </p:pic>
+            <p:sp>
+              <p:nvSpPr>
+                <p:cNvPr id="8" name="TextBox 7">
+                  <a:extLst>
+                    <a:ext uri="{FF2B5EF4-FFF2-40B4-BE49-F238E27FC236}">
+                      <a16:creationId xmlns:a16="http://schemas.microsoft.com/office/drawing/2014/main" id="{AD2B4E11-CA04-6040-207D-A4708D116E4D}"/>
+                    </a:ext>
+                  </a:extLst>
+                </p:cNvPr>
+                <p:cNvSpPr txBox="1"/>
+                <p:nvPr/>
+              </p:nvSpPr>
+              <p:spPr>
+                <a:xfrm>
+                  <a:off x="758064" y="16584511"/>
+                  <a:ext cx="1753497" cy="267637"/>
+                </a:xfrm>
+                <a:prstGeom prst="rect">
+                  <a:avLst/>
+                </a:prstGeom>
+                <a:noFill/>
+              </p:spPr>
+              <p:txBody>
+                <a:bodyPr wrap="square">
+                  <a:spAutoFit/>
+                </a:bodyPr>
+                <a:lstStyle/>
+                <a:p>
+                  <a:pPr algn="ctr"/>
+                  <a:r>
+                    <a:rPr lang="en-US" sz="1100" dirty="0">
+                      <a:solidFill>
+                        <a:srgbClr val="6A6158"/>
+                      </a:solidFill>
+                    </a:rPr>
+                    <a:t>Rohr [2]</a:t>
+                  </a:r>
+                </a:p>
+              </p:txBody>
+            </p:sp>
+          </p:grpSp>
+          <p:pic>
+            <p:nvPicPr>
+              <p:cNvPr id="9" name="Picture 4" descr="Your Brain and Alzheimer's - Fisher Center for Alzheimer's Research  Foundation">
+                <a:extLst>
+                  <a:ext uri="{FF2B5EF4-FFF2-40B4-BE49-F238E27FC236}">
+                    <a16:creationId xmlns:a16="http://schemas.microsoft.com/office/drawing/2014/main" id="{C9D6A624-B876-8EB6-C5B4-6FB0C4F69334}"/>
+                  </a:ext>
+                </a:extLst>
+              </p:cNvPr>
+              <p:cNvPicPr>
+                <a:picLocks noChangeAspect="1" noChangeArrowheads="1"/>
+              </p:cNvPicPr>
+              <p:nvPr/>
+            </p:nvPicPr>
+            <p:blipFill rotWithShape="1">
+              <a:blip r:embed="rId5">
+                <a:extLst>
+                  <a:ext uri="{28A0092B-C50C-407E-A947-70E740481C1C}">
+                    <a14:useLocalDpi xmlns:a14="http://schemas.microsoft.com/office/drawing/2010/main" val="0"/>
+                  </a:ext>
+                </a:extLst>
+              </a:blip>
+              <a:srcRect l="6643" t="8981" r="54463" b="2879"/>
+              <a:stretch/>
+            </p:blipFill>
+            <p:spPr bwMode="auto">
+              <a:xfrm>
+                <a:off x="7301080" y="3818757"/>
+                <a:ext cx="1319511" cy="2134960"/>
+              </a:xfrm>
+              <a:prstGeom prst="rect">
+                <a:avLst/>
+              </a:prstGeom>
+              <a:noFill/>
+              <a:extLst>
+                <a:ext uri="{909E8E84-426E-40DD-AFC4-6F175D3DCCD1}">
+                  <a14:hiddenFill xmlns:a14="http://schemas.microsoft.com/office/drawing/2010/main">
+                    <a:solidFill>
+                      <a:srgbClr val="FFFFFF"/>
+                    </a:solidFill>
+                  </a14:hiddenFill>
+                </a:ext>
+              </a:extLst>
+            </p:spPr>
+          </p:pic>
+          <p:pic>
+            <p:nvPicPr>
+              <p:cNvPr id="10" name="Picture 4" descr="Your Brain and Alzheimer's - Fisher Center for Alzheimer's Research  Foundation">
+                <a:extLst>
+                  <a:ext uri="{FF2B5EF4-FFF2-40B4-BE49-F238E27FC236}">
+                    <a16:creationId xmlns:a16="http://schemas.microsoft.com/office/drawing/2014/main" id="{FD3D41C4-EACC-6987-5DCF-5839A730A563}"/>
+                  </a:ext>
+                </a:extLst>
+              </p:cNvPr>
+              <p:cNvPicPr>
+                <a:picLocks noChangeAspect="1" noChangeArrowheads="1"/>
+              </p:cNvPicPr>
+              <p:nvPr/>
+            </p:nvPicPr>
+            <p:blipFill rotWithShape="1">
+              <a:blip r:embed="rId5">
+                <a:extLst>
+                  <a:ext uri="{28A0092B-C50C-407E-A947-70E740481C1C}">
+                    <a14:useLocalDpi xmlns:a14="http://schemas.microsoft.com/office/drawing/2010/main" val="0"/>
+                  </a:ext>
+                </a:extLst>
+              </a:blip>
+              <a:srcRect l="46534" t="14390" r="22145" b="12105"/>
+              <a:stretch/>
+            </p:blipFill>
+            <p:spPr bwMode="auto">
+              <a:xfrm flipH="1">
+                <a:off x="10102416" y="3818757"/>
+                <a:ext cx="1386365" cy="2136079"/>
+              </a:xfrm>
+              <a:prstGeom prst="rect">
+                <a:avLst/>
+              </a:prstGeom>
+              <a:noFill/>
+              <a:extLst>
+                <a:ext uri="{909E8E84-426E-40DD-AFC4-6F175D3DCCD1}">
+                  <a14:hiddenFill xmlns:a14="http://schemas.microsoft.com/office/drawing/2010/main">
+                    <a:solidFill>
+                      <a:srgbClr val="FFFFFF"/>
+                    </a:solidFill>
+                  </a14:hiddenFill>
+                </a:ext>
+              </a:extLst>
+            </p:spPr>
+          </p:pic>
+          <p:sp>
+            <p:nvSpPr>
+              <p:cNvPr id="11" name="Bent Arrow 1026">
+                <a:extLst>
+                  <a:ext uri="{FF2B5EF4-FFF2-40B4-BE49-F238E27FC236}">
+                    <a16:creationId xmlns:a16="http://schemas.microsoft.com/office/drawing/2014/main" id="{5FDD9B99-16F0-BD72-7F62-5FB5157B3AB6}"/>
+                  </a:ext>
+                </a:extLst>
+              </p:cNvPr>
+              <p:cNvSpPr/>
+              <p:nvPr/>
+            </p:nvSpPr>
+            <p:spPr>
+              <a:xfrm rot="10800000" flipH="1" flipV="1">
+                <a:off x="8877488" y="4393345"/>
+                <a:ext cx="1007936" cy="857641"/>
+              </a:xfrm>
+              <a:prstGeom prst="rightArrow">
+                <a:avLst/>
+              </a:prstGeom>
+            </p:spPr>
+            <p:style>
+              <a:lnRef idx="2">
+                <a:schemeClr val="accent1"/>
+              </a:lnRef>
+              <a:fillRef idx="1">
+                <a:schemeClr val="lt1"/>
+              </a:fillRef>
+              <a:effectRef idx="0">
+                <a:schemeClr val="accent1"/>
+              </a:effectRef>
+              <a:fontRef idx="minor">
+                <a:schemeClr val="dk1"/>
+              </a:fontRef>
+            </p:style>
+            <p:txBody>
+              <a:bodyPr vert="vert270" rtlCol="0" anchor="ctr"/>
+              <a:lstStyle/>
+              <a:p>
+                <a:pPr algn="ctr"/>
+                <a:endParaRPr lang="en-US" sz="1200" dirty="0">
+                  <a:solidFill>
+                    <a:srgbClr val="000000"/>
+                  </a:solidFill>
+                </a:endParaRPr>
+              </a:p>
+            </p:txBody>
+          </p:sp>
+        </p:grpSp>
+        <p:sp>
+          <p:nvSpPr>
+            <p:cNvPr id="13" name="Subtitle 2">
+              <a:extLst>
+                <a:ext uri="{FF2B5EF4-FFF2-40B4-BE49-F238E27FC236}">
+                  <a16:creationId xmlns:a16="http://schemas.microsoft.com/office/drawing/2014/main" id="{502D806E-242C-2D66-90E8-53597E5B88DD}"/>
+                </a:ext>
+              </a:extLst>
+            </p:cNvPr>
+            <p:cNvSpPr txBox="1">
+              <a:spLocks/>
+            </p:cNvSpPr>
+            <p:nvPr/>
+          </p:nvSpPr>
+          <p:spPr>
+            <a:xfrm>
+              <a:off x="485029" y="4771952"/>
+              <a:ext cx="6064266" cy="1742183"/>
+            </a:xfrm>
+            <a:prstGeom prst="rect">
+              <a:avLst/>
+            </a:prstGeom>
+          </p:spPr>
+          <p:txBody>
+            <a:bodyPr/>
+            <a:lstStyle>
+              <a:lvl1pPr marL="228600" indent="-228600" algn="l" defTabSz="914400" rtl="0" eaLnBrk="1" latinLnBrk="0" hangingPunct="1">
+                <a:lnSpc>
+                  <a:spcPct val="90000"/>
+                </a:lnSpc>
+                <a:spcBef>
+                  <a:spcPts val="1000"/>
+                </a:spcBef>
+                <a:buFont typeface="Arial" panose="020B0604020202020204" pitchFamily="34" charset="0"/>
+                <a:buChar char="•"/>
+                <a:defRPr sz="2800" kern="1200">
+                  <a:solidFill>
+                    <a:schemeClr val="tx1"/>
+                  </a:solidFill>
+                  <a:latin typeface="+mn-lt"/>
+                  <a:ea typeface="+mn-ea"/>
+                  <a:cs typeface="+mn-cs"/>
+                </a:defRPr>
+              </a:lvl1pPr>
+              <a:lvl2pPr marL="685800" indent="-228600" algn="l" defTabSz="914400" rtl="0" eaLnBrk="1" latinLnBrk="0" hangingPunct="1">
+                <a:lnSpc>
+                  <a:spcPct val="90000"/>
+                </a:lnSpc>
+                <a:spcBef>
+                  <a:spcPts val="500"/>
+                </a:spcBef>
+                <a:buFont typeface="Arial" panose="020B0604020202020204" pitchFamily="34" charset="0"/>
+                <a:buChar char="•"/>
+                <a:defRPr sz="2400" kern="1200">
+                  <a:solidFill>
+                    <a:schemeClr val="tx1"/>
+                  </a:solidFill>
+                  <a:latin typeface="+mn-lt"/>
+                  <a:ea typeface="+mn-ea"/>
+                  <a:cs typeface="+mn-cs"/>
+                </a:defRPr>
+              </a:lvl2pPr>
+              <a:lvl3pPr marL="1143000" indent="-228600" algn="l" defTabSz="914400" rtl="0" eaLnBrk="1" latinLnBrk="0" hangingPunct="1">
+                <a:lnSpc>
+                  <a:spcPct val="90000"/>
+                </a:lnSpc>
+                <a:spcBef>
+                  <a:spcPts val="500"/>
+                </a:spcBef>
+                <a:buFont typeface="Arial" panose="020B0604020202020204" pitchFamily="34" charset="0"/>
+                <a:buChar char="•"/>
+                <a:defRPr sz="2000" kern="1200">
+                  <a:solidFill>
+                    <a:schemeClr val="tx1"/>
+                  </a:solidFill>
+                  <a:latin typeface="+mn-lt"/>
+                  <a:ea typeface="+mn-ea"/>
+                  <a:cs typeface="+mn-cs"/>
+                </a:defRPr>
+              </a:lvl3pPr>
+              <a:lvl4pPr marL="1600200" indent="-228600" algn="l" defTabSz="914400" rtl="0" eaLnBrk="1" latinLnBrk="0" hangingPunct="1">
+                <a:lnSpc>
+                  <a:spcPct val="90000"/>
+                </a:lnSpc>
+                <a:spcBef>
+                  <a:spcPts val="500"/>
+                </a:spcBef>
+                <a:buFont typeface="Arial" panose="020B0604020202020204" pitchFamily="34" charset="0"/>
+                <a:buChar char="•"/>
+                <a:defRPr sz="1800" kern="1200">
+                  <a:solidFill>
+                    <a:schemeClr val="tx1"/>
+                  </a:solidFill>
+                  <a:latin typeface="+mn-lt"/>
+                  <a:ea typeface="+mn-ea"/>
+                  <a:cs typeface="+mn-cs"/>
+                </a:defRPr>
+              </a:lvl4pPr>
+              <a:lvl5pPr marL="2057400" indent="-228600" algn="l" defTabSz="914400" rtl="0" eaLnBrk="1" latinLnBrk="0" hangingPunct="1">
+                <a:lnSpc>
+                  <a:spcPct val="90000"/>
+                </a:lnSpc>
+                <a:spcBef>
+                  <a:spcPts val="500"/>
+                </a:spcBef>
+                <a:buFont typeface="Arial" panose="020B0604020202020204" pitchFamily="34" charset="0"/>
+                <a:buChar char="•"/>
+                <a:defRPr sz="1800" kern="1200">
+                  <a:solidFill>
+                    <a:schemeClr val="tx1"/>
+                  </a:solidFill>
+                  <a:latin typeface="+mn-lt"/>
+                  <a:ea typeface="+mn-ea"/>
+                  <a:cs typeface="+mn-cs"/>
+                </a:defRPr>
+              </a:lvl5pPr>
+              <a:lvl6pPr marL="2514600" indent="-228600" algn="l" defTabSz="914400" rtl="0" eaLnBrk="1" latinLnBrk="0" hangingPunct="1">
+                <a:lnSpc>
+                  <a:spcPct val="90000"/>
+                </a:lnSpc>
+                <a:spcBef>
+                  <a:spcPts val="500"/>
+                </a:spcBef>
+                <a:buFont typeface="Arial" panose="020B0604020202020204" pitchFamily="34" charset="0"/>
+                <a:buChar char="•"/>
+                <a:defRPr sz="1800" kern="1200">
+                  <a:solidFill>
+                    <a:schemeClr val="tx1"/>
+                  </a:solidFill>
+                  <a:latin typeface="+mn-lt"/>
+                  <a:ea typeface="+mn-ea"/>
+                  <a:cs typeface="+mn-cs"/>
+                </a:defRPr>
+              </a:lvl6pPr>
+              <a:lvl7pPr marL="2971800" indent="-228600" algn="l" defTabSz="914400" rtl="0" eaLnBrk="1" latinLnBrk="0" hangingPunct="1">
+                <a:lnSpc>
+                  <a:spcPct val="90000"/>
+                </a:lnSpc>
+                <a:spcBef>
+                  <a:spcPts val="500"/>
+                </a:spcBef>
+                <a:buFont typeface="Arial" panose="020B0604020202020204" pitchFamily="34" charset="0"/>
+                <a:buChar char="•"/>
+                <a:defRPr sz="1800" kern="1200">
+                  <a:solidFill>
+                    <a:schemeClr val="tx1"/>
+                  </a:solidFill>
+                  <a:latin typeface="+mn-lt"/>
+                  <a:ea typeface="+mn-ea"/>
+                  <a:cs typeface="+mn-cs"/>
+                </a:defRPr>
+              </a:lvl7pPr>
+              <a:lvl8pPr marL="3429000" indent="-228600" algn="l" defTabSz="914400" rtl="0" eaLnBrk="1" latinLnBrk="0" hangingPunct="1">
+                <a:lnSpc>
+                  <a:spcPct val="90000"/>
+                </a:lnSpc>
+                <a:spcBef>
+                  <a:spcPts val="500"/>
+                </a:spcBef>
+                <a:buFont typeface="Arial" panose="020B0604020202020204" pitchFamily="34" charset="0"/>
+                <a:buChar char="•"/>
+                <a:defRPr sz="1800" kern="1200">
+                  <a:solidFill>
+                    <a:schemeClr val="tx1"/>
+                  </a:solidFill>
+                  <a:latin typeface="+mn-lt"/>
+                  <a:ea typeface="+mn-ea"/>
+                  <a:cs typeface="+mn-cs"/>
+                </a:defRPr>
+              </a:lvl8pPr>
+              <a:lvl9pPr marL="3886200" indent="-228600" algn="l" defTabSz="914400" rtl="0" eaLnBrk="1" latinLnBrk="0" hangingPunct="1">
+                <a:lnSpc>
+                  <a:spcPct val="90000"/>
+                </a:lnSpc>
+                <a:spcBef>
+                  <a:spcPts val="500"/>
+                </a:spcBef>
+                <a:buFont typeface="Arial" panose="020B0604020202020204" pitchFamily="34" charset="0"/>
+                <a:buChar char="•"/>
+                <a:defRPr sz="1800" kern="1200">
+                  <a:solidFill>
+                    <a:schemeClr val="tx1"/>
+                  </a:solidFill>
+                  <a:latin typeface="+mn-lt"/>
+                  <a:ea typeface="+mn-ea"/>
+                  <a:cs typeface="+mn-cs"/>
+                </a:defRPr>
+              </a:lvl9pPr>
+            </a:lstStyle>
+            <a:p>
+              <a:pPr marL="0" indent="0">
+                <a:buNone/>
+              </a:pPr>
+              <a:r>
+                <a:rPr lang="en-US" sz="2000" dirty="0"/>
+                <a:t>Big picture goal: to come up with a way to image these plaques without any stains or dyes.</a:t>
+              </a:r>
+            </a:p>
+            <a:p>
+              <a:pPr marL="0" indent="0">
+                <a:buNone/>
+              </a:pPr>
+              <a:endParaRPr lang="en-US" sz="100" dirty="0"/>
+            </a:p>
+            <a:p>
+              <a:pPr marL="0" indent="0">
+                <a:buNone/>
+              </a:pPr>
+              <a:r>
+                <a:rPr lang="en-US" sz="2000" dirty="0"/>
+                <a:t>So far, we have seen moderate success by exciting using light of near-UV wavelengths (300-450 nm).</a:t>
+              </a:r>
+            </a:p>
+          </p:txBody>
+        </p:sp>
+      </p:grpSp>
     </p:spTree>
     <p:extLst>
       <p:ext uri="{BB962C8B-B14F-4D97-AF65-F5344CB8AC3E}">
@@ -4163,6 +5188,81 @@
   <p:clrMapOvr>
     <a:masterClrMapping/>
   </p:clrMapOvr>
+  <p:timing>
+    <p:tnLst>
+      <p:par>
+        <p:cTn id="1" dur="indefinite" restart="never" nodeType="tmRoot">
+          <p:childTnLst>
+            <p:seq concurrent="1" nextAc="seek">
+              <p:cTn id="2" dur="indefinite" nodeType="mainSeq">
+                <p:childTnLst>
+                  <p:par>
+                    <p:cTn id="3" fill="hold">
+                      <p:stCondLst>
+                        <p:cond delay="indefinite"/>
+                      </p:stCondLst>
+                      <p:childTnLst>
+                        <p:par>
+                          <p:cTn id="4" fill="hold">
+                            <p:stCondLst>
+                              <p:cond delay="0"/>
+                            </p:stCondLst>
+                            <p:childTnLst>
+                              <p:par>
+                                <p:cTn id="5" presetID="1" presetClass="entr" presetSubtype="0" fill="hold" nodeType="clickEffect">
+                                  <p:stCondLst>
+                                    <p:cond delay="0"/>
+                                  </p:stCondLst>
+                                  <p:childTnLst>
+                                    <p:set>
+                                      <p:cBhvr>
+                                        <p:cTn id="6" dur="1" fill="hold">
+                                          <p:stCondLst>
+                                            <p:cond delay="0"/>
+                                          </p:stCondLst>
+                                        </p:cTn>
+                                        <p:tgtEl>
+                                          <p:spTgt spid="16"/>
+                                        </p:tgtEl>
+                                        <p:attrNameLst>
+                                          <p:attrName>style.visibility</p:attrName>
+                                        </p:attrNameLst>
+                                      </p:cBhvr>
+                                      <p:to>
+                                        <p:strVal val="visible"/>
+                                      </p:to>
+                                    </p:set>
+                                  </p:childTnLst>
+                                </p:cTn>
+                              </p:par>
+                            </p:childTnLst>
+                          </p:cTn>
+                        </p:par>
+                      </p:childTnLst>
+                    </p:cTn>
+                  </p:par>
+                </p:childTnLst>
+              </p:cTn>
+              <p:prevCondLst>
+                <p:cond evt="onPrev" delay="0">
+                  <p:tgtEl>
+                    <p:sldTgt/>
+                  </p:tgtEl>
+                </p:cond>
+              </p:prevCondLst>
+              <p:nextCondLst>
+                <p:cond evt="onNext" delay="0">
+                  <p:tgtEl>
+                    <p:sldTgt/>
+                  </p:tgtEl>
+                </p:cond>
+              </p:nextCondLst>
+            </p:seq>
+          </p:childTnLst>
+        </p:cTn>
+      </p:par>
+    </p:tnLst>
+  </p:timing>
 </p:sld>
 </file>
 
@@ -4211,7 +5311,7 @@
           <a:p>
             <a:r>
               <a:rPr lang="en-US" dirty="0"/>
-              <a:t>The Problem</a:t>
+              <a:t>The Problem:</a:t>
             </a:r>
           </a:p>
         </p:txBody>
@@ -4230,7 +5330,7 @@
         </p:nvGrpSpPr>
         <p:grpSpPr>
           <a:xfrm>
-            <a:off x="667462" y="2009914"/>
+            <a:off x="647438" y="2291005"/>
             <a:ext cx="4854153" cy="2274348"/>
             <a:chOff x="362662" y="1493080"/>
             <a:chExt cx="4854153" cy="2274348"/>
@@ -4355,7 +5455,7 @@
         </p:blipFill>
         <p:spPr>
           <a:xfrm>
-            <a:off x="6670387" y="2009914"/>
+            <a:off x="6643700" y="2292647"/>
             <a:ext cx="2434773" cy="2272706"/>
           </a:xfrm>
           <a:prstGeom prst="rect">
@@ -4379,7 +5479,7 @@
         </p:nvSpPr>
         <p:spPr>
           <a:xfrm>
-            <a:off x="667462" y="1543878"/>
+            <a:off x="647438" y="1824969"/>
             <a:ext cx="4854151" cy="485967"/>
           </a:xfrm>
           <a:prstGeom prst="rect">
@@ -4579,7 +5679,7 @@
         </p:nvSpPr>
         <p:spPr>
           <a:xfrm>
-            <a:off x="5779786" y="1543878"/>
+            <a:off x="5592912" y="1824969"/>
             <a:ext cx="4724400" cy="494841"/>
           </a:xfrm>
           <a:prstGeom prst="rect">
@@ -4763,6 +5863,556 @@
           </a:p>
         </p:txBody>
       </p:sp>
+      <p:sp>
+        <p:nvSpPr>
+          <p:cNvPr id="4" name="Subtitle 2">
+            <a:extLst>
+              <a:ext uri="{FF2B5EF4-FFF2-40B4-BE49-F238E27FC236}">
+                <a16:creationId xmlns:a16="http://schemas.microsoft.com/office/drawing/2014/main" id="{E65EE3B7-14AD-40D3-AE2C-84E1EFE94FD8}"/>
+              </a:ext>
+            </a:extLst>
+          </p:cNvPr>
+          <p:cNvSpPr txBox="1">
+            <a:spLocks/>
+          </p:cNvSpPr>
+          <p:nvPr/>
+        </p:nvSpPr>
+        <p:spPr>
+          <a:xfrm>
+            <a:off x="9269779" y="2805115"/>
+            <a:ext cx="2660592" cy="1274933"/>
+          </a:xfrm>
+          <a:prstGeom prst="rect">
+            <a:avLst/>
+          </a:prstGeom>
+        </p:spPr>
+        <p:txBody>
+          <a:bodyPr/>
+          <a:lstStyle>
+            <a:lvl1pPr marL="228600" indent="-228600" algn="l" defTabSz="914400" rtl="0" eaLnBrk="1" latinLnBrk="0" hangingPunct="1">
+              <a:lnSpc>
+                <a:spcPct val="90000"/>
+              </a:lnSpc>
+              <a:spcBef>
+                <a:spcPts val="1000"/>
+              </a:spcBef>
+              <a:buFont typeface="Arial" panose="020B0604020202020204" pitchFamily="34" charset="0"/>
+              <a:buChar char="•"/>
+              <a:defRPr sz="2800" kern="1200">
+                <a:solidFill>
+                  <a:schemeClr val="tx1"/>
+                </a:solidFill>
+                <a:latin typeface="+mn-lt"/>
+                <a:ea typeface="+mn-ea"/>
+                <a:cs typeface="+mn-cs"/>
+              </a:defRPr>
+            </a:lvl1pPr>
+            <a:lvl2pPr marL="685800" indent="-228600" algn="l" defTabSz="914400" rtl="0" eaLnBrk="1" latinLnBrk="0" hangingPunct="1">
+              <a:lnSpc>
+                <a:spcPct val="90000"/>
+              </a:lnSpc>
+              <a:spcBef>
+                <a:spcPts val="500"/>
+              </a:spcBef>
+              <a:buFont typeface="Arial" panose="020B0604020202020204" pitchFamily="34" charset="0"/>
+              <a:buChar char="•"/>
+              <a:defRPr sz="2400" kern="1200">
+                <a:solidFill>
+                  <a:schemeClr val="tx1"/>
+                </a:solidFill>
+                <a:latin typeface="+mn-lt"/>
+                <a:ea typeface="+mn-ea"/>
+                <a:cs typeface="+mn-cs"/>
+              </a:defRPr>
+            </a:lvl2pPr>
+            <a:lvl3pPr marL="1143000" indent="-228600" algn="l" defTabSz="914400" rtl="0" eaLnBrk="1" latinLnBrk="0" hangingPunct="1">
+              <a:lnSpc>
+                <a:spcPct val="90000"/>
+              </a:lnSpc>
+              <a:spcBef>
+                <a:spcPts val="500"/>
+              </a:spcBef>
+              <a:buFont typeface="Arial" panose="020B0604020202020204" pitchFamily="34" charset="0"/>
+              <a:buChar char="•"/>
+              <a:defRPr sz="2000" kern="1200">
+                <a:solidFill>
+                  <a:schemeClr val="tx1"/>
+                </a:solidFill>
+                <a:latin typeface="+mn-lt"/>
+                <a:ea typeface="+mn-ea"/>
+                <a:cs typeface="+mn-cs"/>
+              </a:defRPr>
+            </a:lvl3pPr>
+            <a:lvl4pPr marL="1600200" indent="-228600" algn="l" defTabSz="914400" rtl="0" eaLnBrk="1" latinLnBrk="0" hangingPunct="1">
+              <a:lnSpc>
+                <a:spcPct val="90000"/>
+              </a:lnSpc>
+              <a:spcBef>
+                <a:spcPts val="500"/>
+              </a:spcBef>
+              <a:buFont typeface="Arial" panose="020B0604020202020204" pitchFamily="34" charset="0"/>
+              <a:buChar char="•"/>
+              <a:defRPr sz="1800" kern="1200">
+                <a:solidFill>
+                  <a:schemeClr val="tx1"/>
+                </a:solidFill>
+                <a:latin typeface="+mn-lt"/>
+                <a:ea typeface="+mn-ea"/>
+                <a:cs typeface="+mn-cs"/>
+              </a:defRPr>
+            </a:lvl4pPr>
+            <a:lvl5pPr marL="2057400" indent="-228600" algn="l" defTabSz="914400" rtl="0" eaLnBrk="1" latinLnBrk="0" hangingPunct="1">
+              <a:lnSpc>
+                <a:spcPct val="90000"/>
+              </a:lnSpc>
+              <a:spcBef>
+                <a:spcPts val="500"/>
+              </a:spcBef>
+              <a:buFont typeface="Arial" panose="020B0604020202020204" pitchFamily="34" charset="0"/>
+              <a:buChar char="•"/>
+              <a:defRPr sz="1800" kern="1200">
+                <a:solidFill>
+                  <a:schemeClr val="tx1"/>
+                </a:solidFill>
+                <a:latin typeface="+mn-lt"/>
+                <a:ea typeface="+mn-ea"/>
+                <a:cs typeface="+mn-cs"/>
+              </a:defRPr>
+            </a:lvl5pPr>
+            <a:lvl6pPr marL="2514600" indent="-228600" algn="l" defTabSz="914400" rtl="0" eaLnBrk="1" latinLnBrk="0" hangingPunct="1">
+              <a:lnSpc>
+                <a:spcPct val="90000"/>
+              </a:lnSpc>
+              <a:spcBef>
+                <a:spcPts val="500"/>
+              </a:spcBef>
+              <a:buFont typeface="Arial" panose="020B0604020202020204" pitchFamily="34" charset="0"/>
+              <a:buChar char="•"/>
+              <a:defRPr sz="1800" kern="1200">
+                <a:solidFill>
+                  <a:schemeClr val="tx1"/>
+                </a:solidFill>
+                <a:latin typeface="+mn-lt"/>
+                <a:ea typeface="+mn-ea"/>
+                <a:cs typeface="+mn-cs"/>
+              </a:defRPr>
+            </a:lvl6pPr>
+            <a:lvl7pPr marL="2971800" indent="-228600" algn="l" defTabSz="914400" rtl="0" eaLnBrk="1" latinLnBrk="0" hangingPunct="1">
+              <a:lnSpc>
+                <a:spcPct val="90000"/>
+              </a:lnSpc>
+              <a:spcBef>
+                <a:spcPts val="500"/>
+              </a:spcBef>
+              <a:buFont typeface="Arial" panose="020B0604020202020204" pitchFamily="34" charset="0"/>
+              <a:buChar char="•"/>
+              <a:defRPr sz="1800" kern="1200">
+                <a:solidFill>
+                  <a:schemeClr val="tx1"/>
+                </a:solidFill>
+                <a:latin typeface="+mn-lt"/>
+                <a:ea typeface="+mn-ea"/>
+                <a:cs typeface="+mn-cs"/>
+              </a:defRPr>
+            </a:lvl7pPr>
+            <a:lvl8pPr marL="3429000" indent="-228600" algn="l" defTabSz="914400" rtl="0" eaLnBrk="1" latinLnBrk="0" hangingPunct="1">
+              <a:lnSpc>
+                <a:spcPct val="90000"/>
+              </a:lnSpc>
+              <a:spcBef>
+                <a:spcPts val="500"/>
+              </a:spcBef>
+              <a:buFont typeface="Arial" panose="020B0604020202020204" pitchFamily="34" charset="0"/>
+              <a:buChar char="•"/>
+              <a:defRPr sz="1800" kern="1200">
+                <a:solidFill>
+                  <a:schemeClr val="tx1"/>
+                </a:solidFill>
+                <a:latin typeface="+mn-lt"/>
+                <a:ea typeface="+mn-ea"/>
+                <a:cs typeface="+mn-cs"/>
+              </a:defRPr>
+            </a:lvl8pPr>
+            <a:lvl9pPr marL="3886200" indent="-228600" algn="l" defTabSz="914400" rtl="0" eaLnBrk="1" latinLnBrk="0" hangingPunct="1">
+              <a:lnSpc>
+                <a:spcPct val="90000"/>
+              </a:lnSpc>
+              <a:spcBef>
+                <a:spcPts val="500"/>
+              </a:spcBef>
+              <a:buFont typeface="Arial" panose="020B0604020202020204" pitchFamily="34" charset="0"/>
+              <a:buChar char="•"/>
+              <a:defRPr sz="1800" kern="1200">
+                <a:solidFill>
+                  <a:schemeClr val="tx1"/>
+                </a:solidFill>
+                <a:latin typeface="+mn-lt"/>
+                <a:ea typeface="+mn-ea"/>
+                <a:cs typeface="+mn-cs"/>
+              </a:defRPr>
+            </a:lvl9pPr>
+          </a:lstStyle>
+          <a:p>
+            <a:pPr marL="0" indent="0" algn="ctr">
+              <a:buNone/>
+            </a:pPr>
+            <a:r>
+              <a:rPr lang="en-US" sz="2000" dirty="0"/>
+              <a:t>Confocal Microscope</a:t>
+            </a:r>
+          </a:p>
+          <a:p>
+            <a:pPr marL="0" indent="0" algn="ctr">
+              <a:buNone/>
+            </a:pPr>
+            <a:r>
+              <a:rPr lang="en-US" sz="2000" dirty="0" err="1">
+                <a:solidFill>
+                  <a:srgbClr val="000000"/>
+                </a:solidFill>
+                <a:cs typeface="Arial" panose="020B0604020202020204" pitchFamily="34" charset="0"/>
+              </a:rPr>
+              <a:t>λ</a:t>
+            </a:r>
+            <a:r>
+              <a:rPr lang="en-US" sz="2000" baseline="-15000" dirty="0" err="1">
+                <a:solidFill>
+                  <a:srgbClr val="000000"/>
+                </a:solidFill>
+              </a:rPr>
+              <a:t>ex</a:t>
+            </a:r>
+            <a:r>
+              <a:rPr lang="en-US" sz="2000" dirty="0">
+                <a:solidFill>
+                  <a:srgbClr val="000000"/>
+                </a:solidFill>
+                <a:cs typeface="Arial" panose="020B0604020202020204" pitchFamily="34" charset="0"/>
+              </a:rPr>
+              <a:t> = 405 nm</a:t>
+            </a:r>
+          </a:p>
+          <a:p>
+            <a:pPr marL="0" indent="0" algn="ctr">
+              <a:buNone/>
+            </a:pPr>
+            <a:r>
+              <a:rPr lang="en-US" sz="2000" dirty="0" err="1">
+                <a:solidFill>
+                  <a:srgbClr val="000000"/>
+                </a:solidFill>
+                <a:cs typeface="Arial" panose="020B0604020202020204" pitchFamily="34" charset="0"/>
+              </a:rPr>
+              <a:t>λ</a:t>
+            </a:r>
+            <a:r>
+              <a:rPr lang="en-US" sz="2000" baseline="-15000" dirty="0" err="1">
+                <a:solidFill>
+                  <a:srgbClr val="000000"/>
+                </a:solidFill>
+              </a:rPr>
+              <a:t>em</a:t>
+            </a:r>
+            <a:r>
+              <a:rPr lang="en-US" sz="2000" dirty="0">
+                <a:solidFill>
+                  <a:srgbClr val="000000"/>
+                </a:solidFill>
+                <a:cs typeface="Arial" panose="020B0604020202020204" pitchFamily="34" charset="0"/>
+              </a:rPr>
+              <a:t> = 425 – 475 nm</a:t>
+            </a:r>
+            <a:endParaRPr lang="en-US" sz="2000" dirty="0"/>
+          </a:p>
+        </p:txBody>
+      </p:sp>
+      <p:grpSp>
+        <p:nvGrpSpPr>
+          <p:cNvPr id="12" name="Group 11">
+            <a:extLst>
+              <a:ext uri="{FF2B5EF4-FFF2-40B4-BE49-F238E27FC236}">
+                <a16:creationId xmlns:a16="http://schemas.microsoft.com/office/drawing/2014/main" id="{8775F7D7-ED49-7129-4AE6-989C89A4D807}"/>
+              </a:ext>
+            </a:extLst>
+          </p:cNvPr>
+          <p:cNvGrpSpPr/>
+          <p:nvPr/>
+        </p:nvGrpSpPr>
+        <p:grpSpPr>
+          <a:xfrm>
+            <a:off x="444973" y="268945"/>
+            <a:ext cx="11302054" cy="6827734"/>
+            <a:chOff x="444973" y="268945"/>
+            <a:chExt cx="11302054" cy="6827734"/>
+          </a:xfrm>
+        </p:grpSpPr>
+        <p:sp>
+          <p:nvSpPr>
+            <p:cNvPr id="3" name="Title 1">
+              <a:extLst>
+                <a:ext uri="{FF2B5EF4-FFF2-40B4-BE49-F238E27FC236}">
+                  <a16:creationId xmlns:a16="http://schemas.microsoft.com/office/drawing/2014/main" id="{134E32A6-57A9-42E3-7F3E-17273EDA4720}"/>
+                </a:ext>
+              </a:extLst>
+            </p:cNvPr>
+            <p:cNvSpPr txBox="1">
+              <a:spLocks/>
+            </p:cNvSpPr>
+            <p:nvPr/>
+          </p:nvSpPr>
+          <p:spPr>
+            <a:xfrm>
+              <a:off x="3540541" y="268945"/>
+              <a:ext cx="8199821" cy="1005301"/>
+            </a:xfrm>
+            <a:prstGeom prst="rect">
+              <a:avLst/>
+            </a:prstGeom>
+          </p:spPr>
+          <p:txBody>
+            <a:bodyPr vert="horz" lIns="91440" tIns="45720" rIns="91440" bIns="45720" rtlCol="0" anchor="ctr">
+              <a:normAutofit fontScale="92500" lnSpcReduction="20000"/>
+            </a:bodyPr>
+            <a:lstStyle>
+              <a:lvl1pPr algn="l" defTabSz="914400" rtl="0" eaLnBrk="1" latinLnBrk="0" hangingPunct="1">
+                <a:lnSpc>
+                  <a:spcPct val="90000"/>
+                </a:lnSpc>
+                <a:spcBef>
+                  <a:spcPct val="0"/>
+                </a:spcBef>
+                <a:buNone/>
+                <a:defRPr sz="4400" kern="1200">
+                  <a:solidFill>
+                    <a:schemeClr val="tx1"/>
+                  </a:solidFill>
+                  <a:latin typeface="+mj-lt"/>
+                  <a:ea typeface="+mj-ea"/>
+                  <a:cs typeface="+mj-cs"/>
+                </a:defRPr>
+              </a:lvl1pPr>
+            </a:lstStyle>
+            <a:p>
+              <a:r>
+                <a:rPr lang="en-US" dirty="0"/>
+                <a:t>can we tell whether an image has A</a:t>
+              </a:r>
+              <a:r>
+                <a:rPr lang="el-GR" dirty="0"/>
+                <a:t>β</a:t>
+              </a:r>
+              <a:r>
+                <a:rPr lang="en-US" dirty="0"/>
+                <a:t> plaques or  not using computer vision?</a:t>
+              </a:r>
+            </a:p>
+          </p:txBody>
+        </p:sp>
+        <p:sp>
+          <p:nvSpPr>
+            <p:cNvPr id="11" name="Subtitle 2">
+              <a:extLst>
+                <a:ext uri="{FF2B5EF4-FFF2-40B4-BE49-F238E27FC236}">
+                  <a16:creationId xmlns:a16="http://schemas.microsoft.com/office/drawing/2014/main" id="{04D3AD18-E274-49EB-F4B1-B54278EE6972}"/>
+                </a:ext>
+              </a:extLst>
+            </p:cNvPr>
+            <p:cNvSpPr txBox="1">
+              <a:spLocks/>
+            </p:cNvSpPr>
+            <p:nvPr/>
+          </p:nvSpPr>
+          <p:spPr>
+            <a:xfrm>
+              <a:off x="444973" y="5354496"/>
+              <a:ext cx="11302054" cy="1742183"/>
+            </a:xfrm>
+            <a:prstGeom prst="rect">
+              <a:avLst/>
+            </a:prstGeom>
+          </p:spPr>
+          <p:txBody>
+            <a:bodyPr/>
+            <a:lstStyle>
+              <a:lvl1pPr marL="228600" indent="-228600" algn="l" defTabSz="914400" rtl="0" eaLnBrk="1" latinLnBrk="0" hangingPunct="1">
+                <a:lnSpc>
+                  <a:spcPct val="90000"/>
+                </a:lnSpc>
+                <a:spcBef>
+                  <a:spcPts val="1000"/>
+                </a:spcBef>
+                <a:buFont typeface="Arial" panose="020B0604020202020204" pitchFamily="34" charset="0"/>
+                <a:buChar char="•"/>
+                <a:defRPr sz="2800" kern="1200">
+                  <a:solidFill>
+                    <a:schemeClr val="tx1"/>
+                  </a:solidFill>
+                  <a:latin typeface="+mn-lt"/>
+                  <a:ea typeface="+mn-ea"/>
+                  <a:cs typeface="+mn-cs"/>
+                </a:defRPr>
+              </a:lvl1pPr>
+              <a:lvl2pPr marL="685800" indent="-228600" algn="l" defTabSz="914400" rtl="0" eaLnBrk="1" latinLnBrk="0" hangingPunct="1">
+                <a:lnSpc>
+                  <a:spcPct val="90000"/>
+                </a:lnSpc>
+                <a:spcBef>
+                  <a:spcPts val="500"/>
+                </a:spcBef>
+                <a:buFont typeface="Arial" panose="020B0604020202020204" pitchFamily="34" charset="0"/>
+                <a:buChar char="•"/>
+                <a:defRPr sz="2400" kern="1200">
+                  <a:solidFill>
+                    <a:schemeClr val="tx1"/>
+                  </a:solidFill>
+                  <a:latin typeface="+mn-lt"/>
+                  <a:ea typeface="+mn-ea"/>
+                  <a:cs typeface="+mn-cs"/>
+                </a:defRPr>
+              </a:lvl2pPr>
+              <a:lvl3pPr marL="1143000" indent="-228600" algn="l" defTabSz="914400" rtl="0" eaLnBrk="1" latinLnBrk="0" hangingPunct="1">
+                <a:lnSpc>
+                  <a:spcPct val="90000"/>
+                </a:lnSpc>
+                <a:spcBef>
+                  <a:spcPts val="500"/>
+                </a:spcBef>
+                <a:buFont typeface="Arial" panose="020B0604020202020204" pitchFamily="34" charset="0"/>
+                <a:buChar char="•"/>
+                <a:defRPr sz="2000" kern="1200">
+                  <a:solidFill>
+                    <a:schemeClr val="tx1"/>
+                  </a:solidFill>
+                  <a:latin typeface="+mn-lt"/>
+                  <a:ea typeface="+mn-ea"/>
+                  <a:cs typeface="+mn-cs"/>
+                </a:defRPr>
+              </a:lvl3pPr>
+              <a:lvl4pPr marL="1600200" indent="-228600" algn="l" defTabSz="914400" rtl="0" eaLnBrk="1" latinLnBrk="0" hangingPunct="1">
+                <a:lnSpc>
+                  <a:spcPct val="90000"/>
+                </a:lnSpc>
+                <a:spcBef>
+                  <a:spcPts val="500"/>
+                </a:spcBef>
+                <a:buFont typeface="Arial" panose="020B0604020202020204" pitchFamily="34" charset="0"/>
+                <a:buChar char="•"/>
+                <a:defRPr sz="1800" kern="1200">
+                  <a:solidFill>
+                    <a:schemeClr val="tx1"/>
+                  </a:solidFill>
+                  <a:latin typeface="+mn-lt"/>
+                  <a:ea typeface="+mn-ea"/>
+                  <a:cs typeface="+mn-cs"/>
+                </a:defRPr>
+              </a:lvl4pPr>
+              <a:lvl5pPr marL="2057400" indent="-228600" algn="l" defTabSz="914400" rtl="0" eaLnBrk="1" latinLnBrk="0" hangingPunct="1">
+                <a:lnSpc>
+                  <a:spcPct val="90000"/>
+                </a:lnSpc>
+                <a:spcBef>
+                  <a:spcPts val="500"/>
+                </a:spcBef>
+                <a:buFont typeface="Arial" panose="020B0604020202020204" pitchFamily="34" charset="0"/>
+                <a:buChar char="•"/>
+                <a:defRPr sz="1800" kern="1200">
+                  <a:solidFill>
+                    <a:schemeClr val="tx1"/>
+                  </a:solidFill>
+                  <a:latin typeface="+mn-lt"/>
+                  <a:ea typeface="+mn-ea"/>
+                  <a:cs typeface="+mn-cs"/>
+                </a:defRPr>
+              </a:lvl5pPr>
+              <a:lvl6pPr marL="2514600" indent="-228600" algn="l" defTabSz="914400" rtl="0" eaLnBrk="1" latinLnBrk="0" hangingPunct="1">
+                <a:lnSpc>
+                  <a:spcPct val="90000"/>
+                </a:lnSpc>
+                <a:spcBef>
+                  <a:spcPts val="500"/>
+                </a:spcBef>
+                <a:buFont typeface="Arial" panose="020B0604020202020204" pitchFamily="34" charset="0"/>
+                <a:buChar char="•"/>
+                <a:defRPr sz="1800" kern="1200">
+                  <a:solidFill>
+                    <a:schemeClr val="tx1"/>
+                  </a:solidFill>
+                  <a:latin typeface="+mn-lt"/>
+                  <a:ea typeface="+mn-ea"/>
+                  <a:cs typeface="+mn-cs"/>
+                </a:defRPr>
+              </a:lvl6pPr>
+              <a:lvl7pPr marL="2971800" indent="-228600" algn="l" defTabSz="914400" rtl="0" eaLnBrk="1" latinLnBrk="0" hangingPunct="1">
+                <a:lnSpc>
+                  <a:spcPct val="90000"/>
+                </a:lnSpc>
+                <a:spcBef>
+                  <a:spcPts val="500"/>
+                </a:spcBef>
+                <a:buFont typeface="Arial" panose="020B0604020202020204" pitchFamily="34" charset="0"/>
+                <a:buChar char="•"/>
+                <a:defRPr sz="1800" kern="1200">
+                  <a:solidFill>
+                    <a:schemeClr val="tx1"/>
+                  </a:solidFill>
+                  <a:latin typeface="+mn-lt"/>
+                  <a:ea typeface="+mn-ea"/>
+                  <a:cs typeface="+mn-cs"/>
+                </a:defRPr>
+              </a:lvl7pPr>
+              <a:lvl8pPr marL="3429000" indent="-228600" algn="l" defTabSz="914400" rtl="0" eaLnBrk="1" latinLnBrk="0" hangingPunct="1">
+                <a:lnSpc>
+                  <a:spcPct val="90000"/>
+                </a:lnSpc>
+                <a:spcBef>
+                  <a:spcPts val="500"/>
+                </a:spcBef>
+                <a:buFont typeface="Arial" panose="020B0604020202020204" pitchFamily="34" charset="0"/>
+                <a:buChar char="•"/>
+                <a:defRPr sz="1800" kern="1200">
+                  <a:solidFill>
+                    <a:schemeClr val="tx1"/>
+                  </a:solidFill>
+                  <a:latin typeface="+mn-lt"/>
+                  <a:ea typeface="+mn-ea"/>
+                  <a:cs typeface="+mn-cs"/>
+                </a:defRPr>
+              </a:lvl8pPr>
+              <a:lvl9pPr marL="3886200" indent="-228600" algn="l" defTabSz="914400" rtl="0" eaLnBrk="1" latinLnBrk="0" hangingPunct="1">
+                <a:lnSpc>
+                  <a:spcPct val="90000"/>
+                </a:lnSpc>
+                <a:spcBef>
+                  <a:spcPts val="500"/>
+                </a:spcBef>
+                <a:buFont typeface="Arial" panose="020B0604020202020204" pitchFamily="34" charset="0"/>
+                <a:buChar char="•"/>
+                <a:defRPr sz="1800" kern="1200">
+                  <a:solidFill>
+                    <a:schemeClr val="tx1"/>
+                  </a:solidFill>
+                  <a:latin typeface="+mn-lt"/>
+                  <a:ea typeface="+mn-ea"/>
+                  <a:cs typeface="+mn-cs"/>
+                </a:defRPr>
+              </a:lvl9pPr>
+            </a:lstStyle>
+            <a:p>
+              <a:pPr marL="0" indent="0" algn="ctr">
+                <a:buNone/>
+              </a:pPr>
+              <a:r>
+                <a:rPr lang="en-US" dirty="0">
+                  <a:highlight>
+                    <a:srgbClr val="FFFF00"/>
+                  </a:highlight>
+                </a:rPr>
+                <a:t>GOAL OF THIS PROJECT: classify the images between AD (has plaques) and NOT AD (no plaques)</a:t>
+              </a:r>
+            </a:p>
+          </p:txBody>
+        </p:sp>
+      </p:grpSp>
     </p:spTree>
     <p:extLst>
       <p:ext uri="{BB962C8B-B14F-4D97-AF65-F5344CB8AC3E}">
@@ -4773,6 +6423,81 @@
   <p:clrMapOvr>
     <a:masterClrMapping/>
   </p:clrMapOvr>
+  <p:timing>
+    <p:tnLst>
+      <p:par>
+        <p:cTn id="1" dur="indefinite" restart="never" nodeType="tmRoot">
+          <p:childTnLst>
+            <p:seq concurrent="1" nextAc="seek">
+              <p:cTn id="2" dur="indefinite" nodeType="mainSeq">
+                <p:childTnLst>
+                  <p:par>
+                    <p:cTn id="3" fill="hold">
+                      <p:stCondLst>
+                        <p:cond delay="indefinite"/>
+                      </p:stCondLst>
+                      <p:childTnLst>
+                        <p:par>
+                          <p:cTn id="4" fill="hold">
+                            <p:stCondLst>
+                              <p:cond delay="0"/>
+                            </p:stCondLst>
+                            <p:childTnLst>
+                              <p:par>
+                                <p:cTn id="5" presetID="1" presetClass="entr" presetSubtype="0" fill="hold" nodeType="clickEffect">
+                                  <p:stCondLst>
+                                    <p:cond delay="0"/>
+                                  </p:stCondLst>
+                                  <p:childTnLst>
+                                    <p:set>
+                                      <p:cBhvr>
+                                        <p:cTn id="6" dur="1" fill="hold">
+                                          <p:stCondLst>
+                                            <p:cond delay="0"/>
+                                          </p:stCondLst>
+                                        </p:cTn>
+                                        <p:tgtEl>
+                                          <p:spTgt spid="12"/>
+                                        </p:tgtEl>
+                                        <p:attrNameLst>
+                                          <p:attrName>style.visibility</p:attrName>
+                                        </p:attrNameLst>
+                                      </p:cBhvr>
+                                      <p:to>
+                                        <p:strVal val="visible"/>
+                                      </p:to>
+                                    </p:set>
+                                  </p:childTnLst>
+                                </p:cTn>
+                              </p:par>
+                            </p:childTnLst>
+                          </p:cTn>
+                        </p:par>
+                      </p:childTnLst>
+                    </p:cTn>
+                  </p:par>
+                </p:childTnLst>
+              </p:cTn>
+              <p:prevCondLst>
+                <p:cond evt="onPrev" delay="0">
+                  <p:tgtEl>
+                    <p:sldTgt/>
+                  </p:tgtEl>
+                </p:cond>
+              </p:prevCondLst>
+              <p:nextCondLst>
+                <p:cond evt="onNext" delay="0">
+                  <p:tgtEl>
+                    <p:sldTgt/>
+                  </p:tgtEl>
+                </p:cond>
+              </p:nextCondLst>
+            </p:seq>
+          </p:childTnLst>
+        </p:cTn>
+      </p:par>
+    </p:tnLst>
+  </p:timing>
 </p:sld>
 </file>
 
@@ -4866,50 +6591,8 @@
         </p:blipFill>
         <p:spPr>
           <a:xfrm>
-            <a:off x="362662" y="1493080"/>
-            <a:ext cx="2297990" cy="2274348"/>
-          </a:xfrm>
-          <a:prstGeom prst="rect">
-            <a:avLst/>
-          </a:prstGeom>
-        </p:spPr>
-      </p:pic>
-      <p:pic>
-        <p:nvPicPr>
-          <p:cNvPr id="6" name="Picture 5">
-            <a:extLst>
-              <a:ext uri="{FF2B5EF4-FFF2-40B4-BE49-F238E27FC236}">
-                <a16:creationId xmlns:a16="http://schemas.microsoft.com/office/drawing/2014/main" id="{B79FCC07-63CF-821C-2C38-1C403685342A}"/>
-              </a:ext>
-            </a:extLst>
-          </p:cNvPr>
-          <p:cNvPicPr>
-            <a:picLocks noChangeAspect="1"/>
-          </p:cNvPicPr>
-          <p:nvPr/>
-        </p:nvPicPr>
-        <p:blipFill>
-          <a:blip r:embed="rId5">
-            <a:extLst>
-              <a:ext uri="{BEBA8EAE-BF5A-486C-A8C5-ECC9F3942E4B}">
-                <a14:imgProps xmlns:a14="http://schemas.microsoft.com/office/drawing/2010/main">
-                  <a14:imgLayer r:embed="rId6">
-                    <a14:imgEffect>
-                      <a14:saturation sat="0"/>
-                    </a14:imgEffect>
-                  </a14:imgLayer>
-                </a14:imgProps>
-              </a:ext>
-            </a:extLst>
-          </a:blip>
-          <a:stretch>
-            <a:fillRect/>
-          </a:stretch>
-        </p:blipFill>
-        <p:spPr>
-          <a:xfrm>
-            <a:off x="362661" y="4081661"/>
-            <a:ext cx="2297990" cy="2274348"/>
+            <a:off x="462778" y="2280664"/>
+            <a:ext cx="2887796" cy="2858086"/>
           </a:xfrm>
           <a:prstGeom prst="rect">
             <a:avLst/>
@@ -4931,11 +6614,11 @@
           <p:nvPr/>
         </p:nvPicPr>
         <p:blipFill>
-          <a:blip r:embed="rId7">
+          <a:blip r:embed="rId5">
             <a:extLst>
               <a:ext uri="{BEBA8EAE-BF5A-486C-A8C5-ECC9F3942E4B}">
                 <a14:imgProps xmlns:a14="http://schemas.microsoft.com/office/drawing/2010/main">
-                  <a14:imgLayer r:embed="rId8">
+                  <a14:imgLayer r:embed="rId6">
                     <a14:imgEffect>
                       <a14:saturation sat="0"/>
                     </a14:imgEffect>
@@ -4950,8 +6633,499 @@
         </p:blipFill>
         <p:spPr>
           <a:xfrm>
-            <a:off x="6047547" y="1450507"/>
-            <a:ext cx="5150546" cy="4807708"/>
+            <a:off x="3625047" y="2280664"/>
+            <a:ext cx="3055261" cy="2851892"/>
+          </a:xfrm>
+          <a:prstGeom prst="rect">
+            <a:avLst/>
+          </a:prstGeom>
+        </p:spPr>
+      </p:pic>
+      <p:sp>
+        <p:nvSpPr>
+          <p:cNvPr id="4" name="Subtitle 2">
+            <a:extLst>
+              <a:ext uri="{FF2B5EF4-FFF2-40B4-BE49-F238E27FC236}">
+                <a16:creationId xmlns:a16="http://schemas.microsoft.com/office/drawing/2014/main" id="{C80E03EA-9BCC-F8F1-3DB0-82FED9487DC5}"/>
+              </a:ext>
+            </a:extLst>
+          </p:cNvPr>
+          <p:cNvSpPr txBox="1">
+            <a:spLocks/>
+          </p:cNvSpPr>
+          <p:nvPr/>
+        </p:nvSpPr>
+        <p:spPr>
+          <a:xfrm>
+            <a:off x="7014865" y="2137797"/>
+            <a:ext cx="4854151" cy="3415347"/>
+          </a:xfrm>
+          <a:prstGeom prst="rect">
+            <a:avLst/>
+          </a:prstGeom>
+        </p:spPr>
+        <p:txBody>
+          <a:bodyPr/>
+          <a:lstStyle>
+            <a:lvl1pPr marL="228600" indent="-228600" algn="l" defTabSz="914400" rtl="0" eaLnBrk="1" latinLnBrk="0" hangingPunct="1">
+              <a:lnSpc>
+                <a:spcPct val="90000"/>
+              </a:lnSpc>
+              <a:spcBef>
+                <a:spcPts val="1000"/>
+              </a:spcBef>
+              <a:buFont typeface="Arial" panose="020B0604020202020204" pitchFamily="34" charset="0"/>
+              <a:buChar char="•"/>
+              <a:defRPr sz="2800" kern="1200">
+                <a:solidFill>
+                  <a:schemeClr val="tx1"/>
+                </a:solidFill>
+                <a:latin typeface="+mn-lt"/>
+                <a:ea typeface="+mn-ea"/>
+                <a:cs typeface="+mn-cs"/>
+              </a:defRPr>
+            </a:lvl1pPr>
+            <a:lvl2pPr marL="685800" indent="-228600" algn="l" defTabSz="914400" rtl="0" eaLnBrk="1" latinLnBrk="0" hangingPunct="1">
+              <a:lnSpc>
+                <a:spcPct val="90000"/>
+              </a:lnSpc>
+              <a:spcBef>
+                <a:spcPts val="500"/>
+              </a:spcBef>
+              <a:buFont typeface="Arial" panose="020B0604020202020204" pitchFamily="34" charset="0"/>
+              <a:buChar char="•"/>
+              <a:defRPr sz="2400" kern="1200">
+                <a:solidFill>
+                  <a:schemeClr val="tx1"/>
+                </a:solidFill>
+                <a:latin typeface="+mn-lt"/>
+                <a:ea typeface="+mn-ea"/>
+                <a:cs typeface="+mn-cs"/>
+              </a:defRPr>
+            </a:lvl2pPr>
+            <a:lvl3pPr marL="1143000" indent="-228600" algn="l" defTabSz="914400" rtl="0" eaLnBrk="1" latinLnBrk="0" hangingPunct="1">
+              <a:lnSpc>
+                <a:spcPct val="90000"/>
+              </a:lnSpc>
+              <a:spcBef>
+                <a:spcPts val="500"/>
+              </a:spcBef>
+              <a:buFont typeface="Arial" panose="020B0604020202020204" pitchFamily="34" charset="0"/>
+              <a:buChar char="•"/>
+              <a:defRPr sz="2000" kern="1200">
+                <a:solidFill>
+                  <a:schemeClr val="tx1"/>
+                </a:solidFill>
+                <a:latin typeface="+mn-lt"/>
+                <a:ea typeface="+mn-ea"/>
+                <a:cs typeface="+mn-cs"/>
+              </a:defRPr>
+            </a:lvl3pPr>
+            <a:lvl4pPr marL="1600200" indent="-228600" algn="l" defTabSz="914400" rtl="0" eaLnBrk="1" latinLnBrk="0" hangingPunct="1">
+              <a:lnSpc>
+                <a:spcPct val="90000"/>
+              </a:lnSpc>
+              <a:spcBef>
+                <a:spcPts val="500"/>
+              </a:spcBef>
+              <a:buFont typeface="Arial" panose="020B0604020202020204" pitchFamily="34" charset="0"/>
+              <a:buChar char="•"/>
+              <a:defRPr sz="1800" kern="1200">
+                <a:solidFill>
+                  <a:schemeClr val="tx1"/>
+                </a:solidFill>
+                <a:latin typeface="+mn-lt"/>
+                <a:ea typeface="+mn-ea"/>
+                <a:cs typeface="+mn-cs"/>
+              </a:defRPr>
+            </a:lvl4pPr>
+            <a:lvl5pPr marL="2057400" indent="-228600" algn="l" defTabSz="914400" rtl="0" eaLnBrk="1" latinLnBrk="0" hangingPunct="1">
+              <a:lnSpc>
+                <a:spcPct val="90000"/>
+              </a:lnSpc>
+              <a:spcBef>
+                <a:spcPts val="500"/>
+              </a:spcBef>
+              <a:buFont typeface="Arial" panose="020B0604020202020204" pitchFamily="34" charset="0"/>
+              <a:buChar char="•"/>
+              <a:defRPr sz="1800" kern="1200">
+                <a:solidFill>
+                  <a:schemeClr val="tx1"/>
+                </a:solidFill>
+                <a:latin typeface="+mn-lt"/>
+                <a:ea typeface="+mn-ea"/>
+                <a:cs typeface="+mn-cs"/>
+              </a:defRPr>
+            </a:lvl5pPr>
+            <a:lvl6pPr marL="2514600" indent="-228600" algn="l" defTabSz="914400" rtl="0" eaLnBrk="1" latinLnBrk="0" hangingPunct="1">
+              <a:lnSpc>
+                <a:spcPct val="90000"/>
+              </a:lnSpc>
+              <a:spcBef>
+                <a:spcPts val="500"/>
+              </a:spcBef>
+              <a:buFont typeface="Arial" panose="020B0604020202020204" pitchFamily="34" charset="0"/>
+              <a:buChar char="•"/>
+              <a:defRPr sz="1800" kern="1200">
+                <a:solidFill>
+                  <a:schemeClr val="tx1"/>
+                </a:solidFill>
+                <a:latin typeface="+mn-lt"/>
+                <a:ea typeface="+mn-ea"/>
+                <a:cs typeface="+mn-cs"/>
+              </a:defRPr>
+            </a:lvl6pPr>
+            <a:lvl7pPr marL="2971800" indent="-228600" algn="l" defTabSz="914400" rtl="0" eaLnBrk="1" latinLnBrk="0" hangingPunct="1">
+              <a:lnSpc>
+                <a:spcPct val="90000"/>
+              </a:lnSpc>
+              <a:spcBef>
+                <a:spcPts val="500"/>
+              </a:spcBef>
+              <a:buFont typeface="Arial" panose="020B0604020202020204" pitchFamily="34" charset="0"/>
+              <a:buChar char="•"/>
+              <a:defRPr sz="1800" kern="1200">
+                <a:solidFill>
+                  <a:schemeClr val="tx1"/>
+                </a:solidFill>
+                <a:latin typeface="+mn-lt"/>
+                <a:ea typeface="+mn-ea"/>
+                <a:cs typeface="+mn-cs"/>
+              </a:defRPr>
+            </a:lvl7pPr>
+            <a:lvl8pPr marL="3429000" indent="-228600" algn="l" defTabSz="914400" rtl="0" eaLnBrk="1" latinLnBrk="0" hangingPunct="1">
+              <a:lnSpc>
+                <a:spcPct val="90000"/>
+              </a:lnSpc>
+              <a:spcBef>
+                <a:spcPts val="500"/>
+              </a:spcBef>
+              <a:buFont typeface="Arial" panose="020B0604020202020204" pitchFamily="34" charset="0"/>
+              <a:buChar char="•"/>
+              <a:defRPr sz="1800" kern="1200">
+                <a:solidFill>
+                  <a:schemeClr val="tx1"/>
+                </a:solidFill>
+                <a:latin typeface="+mn-lt"/>
+                <a:ea typeface="+mn-ea"/>
+                <a:cs typeface="+mn-cs"/>
+              </a:defRPr>
+            </a:lvl8pPr>
+            <a:lvl9pPr marL="3886200" indent="-228600" algn="l" defTabSz="914400" rtl="0" eaLnBrk="1" latinLnBrk="0" hangingPunct="1">
+              <a:lnSpc>
+                <a:spcPct val="90000"/>
+              </a:lnSpc>
+              <a:spcBef>
+                <a:spcPts val="500"/>
+              </a:spcBef>
+              <a:buFont typeface="Arial" panose="020B0604020202020204" pitchFamily="34" charset="0"/>
+              <a:buChar char="•"/>
+              <a:defRPr sz="1800" kern="1200">
+                <a:solidFill>
+                  <a:schemeClr val="tx1"/>
+                </a:solidFill>
+                <a:latin typeface="+mn-lt"/>
+                <a:ea typeface="+mn-ea"/>
+                <a:cs typeface="+mn-cs"/>
+              </a:defRPr>
+            </a:lvl9pPr>
+          </a:lstStyle>
+          <a:p>
+            <a:r>
+              <a:rPr lang="en-US" dirty="0"/>
+              <a:t>Both AD and control images have speckling.</a:t>
+            </a:r>
+          </a:p>
+          <a:p>
+            <a:pPr lvl="1"/>
+            <a:r>
+              <a:rPr lang="en-US" dirty="0"/>
+              <a:t>Comes from proteins we cannot avoid because they </a:t>
+            </a:r>
+            <a:r>
+              <a:rPr lang="en-US" dirty="0" err="1"/>
+              <a:t>autofluoresce</a:t>
+            </a:r>
+            <a:r>
+              <a:rPr lang="en-US" dirty="0"/>
+              <a:t> at our current </a:t>
+            </a:r>
+            <a:r>
+              <a:rPr lang="en-US" sz="2400" dirty="0" err="1">
+                <a:solidFill>
+                  <a:srgbClr val="000000"/>
+                </a:solidFill>
+                <a:cs typeface="Arial" panose="020B0604020202020204" pitchFamily="34" charset="0"/>
+              </a:rPr>
+              <a:t>λ</a:t>
+            </a:r>
+            <a:r>
+              <a:rPr lang="en-US" sz="2400" baseline="-15000" dirty="0" err="1">
+                <a:solidFill>
+                  <a:srgbClr val="000000"/>
+                </a:solidFill>
+              </a:rPr>
+              <a:t>ex</a:t>
+            </a:r>
+            <a:r>
+              <a:rPr lang="en-US" sz="2400" dirty="0">
+                <a:solidFill>
+                  <a:srgbClr val="000000"/>
+                </a:solidFill>
+                <a:cs typeface="Arial" panose="020B0604020202020204" pitchFamily="34" charset="0"/>
+              </a:rPr>
+              <a:t> </a:t>
+            </a:r>
+            <a:r>
+              <a:rPr lang="en-US" dirty="0"/>
+              <a:t>and </a:t>
+            </a:r>
+            <a:r>
+              <a:rPr lang="en-US" sz="2400" dirty="0" err="1">
+                <a:solidFill>
+                  <a:srgbClr val="000000"/>
+                </a:solidFill>
+                <a:cs typeface="Arial" panose="020B0604020202020204" pitchFamily="34" charset="0"/>
+              </a:rPr>
+              <a:t>λ</a:t>
+            </a:r>
+            <a:r>
+              <a:rPr lang="en-US" sz="2400" baseline="-15000" dirty="0" err="1">
+                <a:solidFill>
+                  <a:srgbClr val="000000"/>
+                </a:solidFill>
+              </a:rPr>
+              <a:t>em</a:t>
+            </a:r>
+            <a:r>
+              <a:rPr lang="en-US" dirty="0"/>
+              <a:t> </a:t>
+            </a:r>
+          </a:p>
+          <a:p>
+            <a:r>
+              <a:rPr lang="en-US" dirty="0"/>
+              <a:t>Not all images are the same size.</a:t>
+            </a:r>
+          </a:p>
+        </p:txBody>
+      </p:sp>
+    </p:spTree>
+    <p:extLst>
+      <p:ext uri="{BB962C8B-B14F-4D97-AF65-F5344CB8AC3E}">
+        <p14:creationId xmlns:p14="http://schemas.microsoft.com/office/powerpoint/2010/main" val="3196094291"/>
+      </p:ext>
+    </p:extLst>
+  </p:cSld>
+  <p:clrMapOvr>
+    <a:masterClrMapping/>
+  </p:clrMapOvr>
+  <p:timing>
+    <p:tnLst>
+      <p:par>
+        <p:cTn id="1" dur="indefinite" restart="never" nodeType="tmRoot">
+          <p:childTnLst>
+            <p:seq concurrent="1" nextAc="seek">
+              <p:cTn id="2" dur="indefinite" nodeType="mainSeq">
+                <p:childTnLst>
+                  <p:par>
+                    <p:cTn id="3" fill="hold">
+                      <p:stCondLst>
+                        <p:cond delay="indefinite"/>
+                      </p:stCondLst>
+                      <p:childTnLst>
+                        <p:par>
+                          <p:cTn id="4" fill="hold">
+                            <p:stCondLst>
+                              <p:cond delay="0"/>
+                            </p:stCondLst>
+                            <p:childTnLst>
+                              <p:par>
+                                <p:cTn id="5" presetID="1" presetClass="entr" presetSubtype="0" fill="hold" grpId="0" nodeType="clickEffect">
+                                  <p:stCondLst>
+                                    <p:cond delay="0"/>
+                                  </p:stCondLst>
+                                  <p:childTnLst>
+                                    <p:set>
+                                      <p:cBhvr>
+                                        <p:cTn id="6" dur="1" fill="hold">
+                                          <p:stCondLst>
+                                            <p:cond delay="0"/>
+                                          </p:stCondLst>
+                                        </p:cTn>
+                                        <p:tgtEl>
+                                          <p:spTgt spid="4">
+                                            <p:txEl>
+                                              <p:pRg st="0" end="0"/>
+                                            </p:txEl>
+                                          </p:spTgt>
+                                        </p:tgtEl>
+                                        <p:attrNameLst>
+                                          <p:attrName>style.visibility</p:attrName>
+                                        </p:attrNameLst>
+                                      </p:cBhvr>
+                                      <p:to>
+                                        <p:strVal val="visible"/>
+                                      </p:to>
+                                    </p:set>
+                                  </p:childTnLst>
+                                </p:cTn>
+                              </p:par>
+                              <p:par>
+                                <p:cTn id="7" presetID="1" presetClass="entr" presetSubtype="0" fill="hold" grpId="0" nodeType="withEffect">
+                                  <p:stCondLst>
+                                    <p:cond delay="0"/>
+                                  </p:stCondLst>
+                                  <p:childTnLst>
+                                    <p:set>
+                                      <p:cBhvr>
+                                        <p:cTn id="8" dur="1" fill="hold">
+                                          <p:stCondLst>
+                                            <p:cond delay="0"/>
+                                          </p:stCondLst>
+                                        </p:cTn>
+                                        <p:tgtEl>
+                                          <p:spTgt spid="4">
+                                            <p:txEl>
+                                              <p:pRg st="1" end="1"/>
+                                            </p:txEl>
+                                          </p:spTgt>
+                                        </p:tgtEl>
+                                        <p:attrNameLst>
+                                          <p:attrName>style.visibility</p:attrName>
+                                        </p:attrNameLst>
+                                      </p:cBhvr>
+                                      <p:to>
+                                        <p:strVal val="visible"/>
+                                      </p:to>
+                                    </p:set>
+                                  </p:childTnLst>
+                                </p:cTn>
+                              </p:par>
+                            </p:childTnLst>
+                          </p:cTn>
+                        </p:par>
+                      </p:childTnLst>
+                    </p:cTn>
+                  </p:par>
+                  <p:par>
+                    <p:cTn id="9" fill="hold">
+                      <p:stCondLst>
+                        <p:cond delay="indefinite"/>
+                      </p:stCondLst>
+                      <p:childTnLst>
+                        <p:par>
+                          <p:cTn id="10" fill="hold">
+                            <p:stCondLst>
+                              <p:cond delay="0"/>
+                            </p:stCondLst>
+                            <p:childTnLst>
+                              <p:par>
+                                <p:cTn id="11" presetID="1" presetClass="entr" presetSubtype="0" fill="hold" grpId="0" nodeType="clickEffect">
+                                  <p:stCondLst>
+                                    <p:cond delay="0"/>
+                                  </p:stCondLst>
+                                  <p:childTnLst>
+                                    <p:set>
+                                      <p:cBhvr>
+                                        <p:cTn id="12" dur="1" fill="hold">
+                                          <p:stCondLst>
+                                            <p:cond delay="0"/>
+                                          </p:stCondLst>
+                                        </p:cTn>
+                                        <p:tgtEl>
+                                          <p:spTgt spid="4">
+                                            <p:txEl>
+                                              <p:pRg st="2" end="2"/>
+                                            </p:txEl>
+                                          </p:spTgt>
+                                        </p:tgtEl>
+                                        <p:attrNameLst>
+                                          <p:attrName>style.visibility</p:attrName>
+                                        </p:attrNameLst>
+                                      </p:cBhvr>
+                                      <p:to>
+                                        <p:strVal val="visible"/>
+                                      </p:to>
+                                    </p:set>
+                                  </p:childTnLst>
+                                </p:cTn>
+                              </p:par>
+                            </p:childTnLst>
+                          </p:cTn>
+                        </p:par>
+                      </p:childTnLst>
+                    </p:cTn>
+                  </p:par>
+                </p:childTnLst>
+              </p:cTn>
+              <p:prevCondLst>
+                <p:cond evt="onPrev" delay="0">
+                  <p:tgtEl>
+                    <p:sldTgt/>
+                  </p:tgtEl>
+                </p:cond>
+              </p:prevCondLst>
+              <p:nextCondLst>
+                <p:cond evt="onNext" delay="0">
+                  <p:tgtEl>
+                    <p:sldTgt/>
+                  </p:tgtEl>
+                </p:cond>
+              </p:nextCondLst>
+            </p:seq>
+          </p:childTnLst>
+        </p:cTn>
+      </p:par>
+    </p:tnLst>
+    <p:bldLst>
+      <p:bldP spid="4" grpId="0" build="p"/>
+    </p:bldLst>
+  </p:timing>
+</p:sld>
+</file>
+
+<file path=ppt/slides/slide5.xml><?xml version="1.0" encoding="utf-8"?>
+<p:sld xmlns:a="http://schemas.openxmlformats.org/drawingml/2006/main" xmlns:r="http://schemas.openxmlformats.org/officeDocument/2006/relationships" xmlns:p="http://schemas.openxmlformats.org/presentationml/2006/main">
+  <p:cSld>
+    <p:spTree>
+      <p:nvGrpSpPr>
+        <p:cNvPr id="1" name=""/>
+        <p:cNvGrpSpPr/>
+        <p:nvPr/>
+      </p:nvGrpSpPr>
+      <p:grpSpPr>
+        <a:xfrm>
+          <a:off x="0" y="0"/>
+          <a:ext cx="0" cy="0"/>
+          <a:chOff x="0" y="0"/>
+          <a:chExt cx="0" cy="0"/>
+        </a:xfrm>
+      </p:grpSpPr>
+      <p:pic>
+        <p:nvPicPr>
+          <p:cNvPr id="3" name="Picture 2" descr="A collage of squares&#10;&#10;AI-generated content may be incorrect.">
+            <a:extLst>
+              <a:ext uri="{FF2B5EF4-FFF2-40B4-BE49-F238E27FC236}">
+                <a16:creationId xmlns:a16="http://schemas.microsoft.com/office/drawing/2014/main" id="{B2FB8105-B6C0-A378-B4BF-D11B8C83BE4E}"/>
+              </a:ext>
+            </a:extLst>
+          </p:cNvPr>
+          <p:cNvPicPr>
+            <a:picLocks noChangeAspect="1"/>
+          </p:cNvPicPr>
+          <p:nvPr/>
+        </p:nvPicPr>
+        <p:blipFill>
+          <a:blip r:embed="rId2"/>
+          <a:stretch>
+            <a:fillRect/>
+          </a:stretch>
+        </p:blipFill>
+        <p:spPr>
+          <a:xfrm>
+            <a:off x="0" y="228841"/>
+            <a:ext cx="12192000" cy="6400317"/>
           </a:xfrm>
           <a:prstGeom prst="rect">
             <a:avLst/>
@@ -4961,7 +7135,7 @@
     </p:spTree>
     <p:extLst>
       <p:ext uri="{BB962C8B-B14F-4D97-AF65-F5344CB8AC3E}">
-        <p14:creationId xmlns:p14="http://schemas.microsoft.com/office/powerpoint/2010/main" val="3196094291"/>
+        <p14:creationId xmlns:p14="http://schemas.microsoft.com/office/powerpoint/2010/main" val="1306262326"/>
       </p:ext>
     </p:extLst>
   </p:cSld>

--- a/BIOE5100_finalproj_spr25.pptx
+++ b/BIOE5100_finalproj_spr25.pptx
@@ -132,7 +132,7 @@
   <pc:docChgLst>
     <pc:chgData name="Suarez, Skylar" userId="07529912-540e-4881-b69e-f936e48f9be2" providerId="ADAL" clId="{92CB820A-12D0-42B2-9B40-3641CD54FA7E}"/>
     <pc:docChg chg="undo custSel addSld modSld">
-      <pc:chgData name="Suarez, Skylar" userId="07529912-540e-4881-b69e-f936e48f9be2" providerId="ADAL" clId="{92CB820A-12D0-42B2-9B40-3641CD54FA7E}" dt="2025-05-02T17:39:39.882" v="1141" actId="962"/>
+      <pc:chgData name="Suarez, Skylar" userId="07529912-540e-4881-b69e-f936e48f9be2" providerId="ADAL" clId="{92CB820A-12D0-42B2-9B40-3641CD54FA7E}" dt="2025-05-02T22:49:06.468" v="1157" actId="1076"/>
       <pc:docMkLst>
         <pc:docMk/>
       </pc:docMkLst>
@@ -396,8 +396,8 @@
           </ac:picMkLst>
         </pc:picChg>
       </pc:sldChg>
-      <pc:sldChg chg="addSp delSp modSp new mod setBg">
-        <pc:chgData name="Suarez, Skylar" userId="07529912-540e-4881-b69e-f936e48f9be2" providerId="ADAL" clId="{92CB820A-12D0-42B2-9B40-3641CD54FA7E}" dt="2025-05-02T17:39:39.882" v="1141" actId="962"/>
+      <pc:sldChg chg="addSp delSp modSp new mod setBg modNotesTx">
+        <pc:chgData name="Suarez, Skylar" userId="07529912-540e-4881-b69e-f936e48f9be2" providerId="ADAL" clId="{92CB820A-12D0-42B2-9B40-3641CD54FA7E}" dt="2025-05-02T22:49:06.468" v="1157" actId="1076"/>
         <pc:sldMkLst>
           <pc:docMk/>
           <pc:sldMk cId="1306262326" sldId="260"/>
@@ -435,11 +435,19 @@
           </ac:spMkLst>
         </pc:spChg>
         <pc:picChg chg="add mod">
-          <ac:chgData name="Suarez, Skylar" userId="07529912-540e-4881-b69e-f936e48f9be2" providerId="ADAL" clId="{92CB820A-12D0-42B2-9B40-3641CD54FA7E}" dt="2025-05-02T17:39:39.882" v="1141" actId="962"/>
+          <ac:chgData name="Suarez, Skylar" userId="07529912-540e-4881-b69e-f936e48f9be2" providerId="ADAL" clId="{92CB820A-12D0-42B2-9B40-3641CD54FA7E}" dt="2025-05-02T22:49:06.468" v="1157" actId="1076"/>
           <ac:picMkLst>
             <pc:docMk/>
             <pc:sldMk cId="1306262326" sldId="260"/>
             <ac:picMk id="3" creationId="{B2FB8105-B6C0-A378-B4BF-D11B8C83BE4E}"/>
+          </ac:picMkLst>
+        </pc:picChg>
+        <pc:picChg chg="add mod">
+          <ac:chgData name="Suarez, Skylar" userId="07529912-540e-4881-b69e-f936e48f9be2" providerId="ADAL" clId="{92CB820A-12D0-42B2-9B40-3641CD54FA7E}" dt="2025-05-02T22:48:57.107" v="1155" actId="1076"/>
+          <ac:picMkLst>
+            <pc:docMk/>
+            <pc:sldMk cId="1306262326" sldId="260"/>
+            <ac:picMk id="4" creationId="{23DB23D2-E9C4-2A5E-9DC7-F076C380E3E8}"/>
           </ac:picMkLst>
         </pc:picChg>
       </pc:sldChg>
@@ -1129,6 +1137,90 @@
     <p:extLst>
       <p:ext uri="{BB962C8B-B14F-4D97-AF65-F5344CB8AC3E}">
         <p14:creationId xmlns:p14="http://schemas.microsoft.com/office/powerpoint/2010/main" val="529184063"/>
+      </p:ext>
+    </p:extLst>
+  </p:cSld>
+  <p:clrMapOvr>
+    <a:masterClrMapping/>
+  </p:clrMapOvr>
+</p:notes>
+</file>
+
+<file path=ppt/notesSlides/notesSlide4.xml><?xml version="1.0" encoding="utf-8"?>
+<p:notes xmlns:a="http://schemas.openxmlformats.org/drawingml/2006/main" xmlns:r="http://schemas.openxmlformats.org/officeDocument/2006/relationships" xmlns:p="http://schemas.openxmlformats.org/presentationml/2006/main">
+  <p:cSld>
+    <p:spTree>
+      <p:nvGrpSpPr>
+        <p:cNvPr id="1" name=""/>
+        <p:cNvGrpSpPr/>
+        <p:nvPr/>
+      </p:nvGrpSpPr>
+      <p:grpSpPr>
+        <a:xfrm>
+          <a:off x="0" y="0"/>
+          <a:ext cx="0" cy="0"/>
+          <a:chOff x="0" y="0"/>
+          <a:chExt cx="0" cy="0"/>
+        </a:xfrm>
+      </p:grpSpPr>
+      <p:sp>
+        <p:nvSpPr>
+          <p:cNvPr id="2" name="Slide Image Placeholder 1"/>
+          <p:cNvSpPr>
+            <a:spLocks noGrp="1" noRot="1" noChangeAspect="1"/>
+          </p:cNvSpPr>
+          <p:nvPr>
+            <p:ph type="sldImg"/>
+          </p:nvPr>
+        </p:nvSpPr>
+        <p:spPr/>
+      </p:sp>
+      <p:sp>
+        <p:nvSpPr>
+          <p:cNvPr id="3" name="Notes Placeholder 2"/>
+          <p:cNvSpPr>
+            <a:spLocks noGrp="1"/>
+          </p:cNvSpPr>
+          <p:nvPr>
+            <p:ph type="body" idx="1"/>
+          </p:nvPr>
+        </p:nvSpPr>
+        <p:spPr/>
+        <p:txBody>
+          <a:bodyPr/>
+          <a:lstStyle/>
+          <a:p>
+            <a:endParaRPr lang="en-US" dirty="0"/>
+          </a:p>
+        </p:txBody>
+      </p:sp>
+      <p:sp>
+        <p:nvSpPr>
+          <p:cNvPr id="4" name="Slide Number Placeholder 3"/>
+          <p:cNvSpPr>
+            <a:spLocks noGrp="1"/>
+          </p:cNvSpPr>
+          <p:nvPr>
+            <p:ph type="sldNum" sz="quarter" idx="5"/>
+          </p:nvPr>
+        </p:nvSpPr>
+        <p:spPr/>
+        <p:txBody>
+          <a:bodyPr/>
+          <a:lstStyle/>
+          <a:p>
+            <a:fld id="{B78680F4-ED72-4C0B-964B-2ADB778FE041}" type="slidenum">
+              <a:rPr lang="en-US" smtClean="0"/>
+              <a:t>5</a:t>
+            </a:fld>
+            <a:endParaRPr lang="en-US"/>
+          </a:p>
+        </p:txBody>
+      </p:sp>
+    </p:spTree>
+    <p:extLst>
+      <p:ext uri="{BB962C8B-B14F-4D97-AF65-F5344CB8AC3E}">
+        <p14:creationId xmlns:p14="http://schemas.microsoft.com/office/powerpoint/2010/main" val="2027871295"/>
       </p:ext>
     </p:extLst>
   </p:cSld>
@@ -7117,15 +7209,45 @@
           <p:nvPr/>
         </p:nvPicPr>
         <p:blipFill>
-          <a:blip r:embed="rId2"/>
+          <a:blip r:embed="rId3"/>
           <a:stretch>
             <a:fillRect/>
           </a:stretch>
         </p:blipFill>
         <p:spPr>
           <a:xfrm>
-            <a:off x="0" y="228841"/>
-            <a:ext cx="12192000" cy="6400317"/>
+            <a:off x="1226819" y="222310"/>
+            <a:ext cx="9424852" cy="4947674"/>
+          </a:xfrm>
+          <a:prstGeom prst="rect">
+            <a:avLst/>
+          </a:prstGeom>
+        </p:spPr>
+      </p:pic>
+      <p:pic>
+        <p:nvPicPr>
+          <p:cNvPr id="4" name="Picture 3">
+            <a:extLst>
+              <a:ext uri="{FF2B5EF4-FFF2-40B4-BE49-F238E27FC236}">
+                <a16:creationId xmlns:a16="http://schemas.microsoft.com/office/drawing/2014/main" id="{23DB23D2-E9C4-2A5E-9DC7-F076C380E3E8}"/>
+              </a:ext>
+            </a:extLst>
+          </p:cNvPr>
+          <p:cNvPicPr>
+            <a:picLocks noChangeAspect="1"/>
+          </p:cNvPicPr>
+          <p:nvPr/>
+        </p:nvPicPr>
+        <p:blipFill>
+          <a:blip r:embed="rId4"/>
+          <a:stretch>
+            <a:fillRect/>
+          </a:stretch>
+        </p:blipFill>
+        <p:spPr>
+          <a:xfrm>
+            <a:off x="448262" y="5221221"/>
+            <a:ext cx="10981966" cy="1636779"/>
           </a:xfrm>
           <a:prstGeom prst="rect">
             <a:avLst/>
